--- a/Test Cases.pptx
+++ b/Test Cases.pptx
@@ -12,7 +12,6 @@
     <p:sldId id="260" r:id="rId7"/>
     <p:sldId id="261" r:id="rId8"/>
     <p:sldId id="262" r:id="rId9"/>
-    <p:sldId id="263" r:id="rId10"/>
   </p:sldIdLst>
   <p:sldSz cx="10080625" cy="5670550"/>
   <p:notesSz cx="7772400" cy="10058400"/>
@@ -60,7 +59,7 @@
       </p:grpSpPr>
       <p:sp>
         <p:nvSpPr>
-          <p:cNvPr id="26" name="PlaceHolder 1"/>
+          <p:cNvPr id="23" name="PlaceHolder 1"/>
           <p:cNvSpPr>
             <a:spLocks noGrp="1"/>
           </p:cNvSpPr>
@@ -71,7 +70,7 @@
         <p:spPr>
           <a:xfrm>
             <a:off x="504000" y="226080"/>
-            <a:ext cx="9071640" cy="946440"/>
+            <a:ext cx="9071280" cy="946080"/>
           </a:xfrm>
           <a:prstGeom prst="rect">
             <a:avLst/>
@@ -91,7 +90,7 @@
       </p:sp>
       <p:sp>
         <p:nvSpPr>
-          <p:cNvPr id="27" name="PlaceHolder 2"/>
+          <p:cNvPr id="24" name="PlaceHolder 2"/>
           <p:cNvSpPr>
             <a:spLocks noGrp="1"/>
           </p:cNvSpPr>
@@ -102,7 +101,7 @@
         <p:spPr>
           <a:xfrm>
             <a:off x="504000" y="1326600"/>
-            <a:ext cx="9071640" cy="1568160"/>
+            <a:ext cx="9072000" cy="1568520"/>
           </a:xfrm>
           <a:prstGeom prst="rect">
             <a:avLst/>
@@ -121,7 +120,7 @@
       </p:sp>
       <p:sp>
         <p:nvSpPr>
-          <p:cNvPr id="28" name="PlaceHolder 3"/>
+          <p:cNvPr id="25" name="PlaceHolder 3"/>
           <p:cNvSpPr>
             <a:spLocks noGrp="1"/>
           </p:cNvSpPr>
@@ -131,8 +130,8 @@
         </p:nvSpPr>
         <p:spPr>
           <a:xfrm>
-            <a:off x="504000" y="3044160"/>
-            <a:ext cx="9071640" cy="1568160"/>
+            <a:off x="504000" y="3044520"/>
+            <a:ext cx="9072000" cy="1568520"/>
           </a:xfrm>
           <a:prstGeom prst="rect">
             <a:avLst/>
@@ -173,7 +172,7 @@
       </p:grpSpPr>
       <p:sp>
         <p:nvSpPr>
-          <p:cNvPr id="29" name="PlaceHolder 1"/>
+          <p:cNvPr id="26" name="PlaceHolder 1"/>
           <p:cNvSpPr>
             <a:spLocks noGrp="1"/>
           </p:cNvSpPr>
@@ -184,7 +183,7 @@
         <p:spPr>
           <a:xfrm>
             <a:off x="504000" y="226080"/>
-            <a:ext cx="9071640" cy="946440"/>
+            <a:ext cx="9071280" cy="946080"/>
           </a:xfrm>
           <a:prstGeom prst="rect">
             <a:avLst/>
@@ -204,7 +203,7 @@
       </p:sp>
       <p:sp>
         <p:nvSpPr>
-          <p:cNvPr id="30" name="PlaceHolder 2"/>
+          <p:cNvPr id="27" name="PlaceHolder 2"/>
           <p:cNvSpPr>
             <a:spLocks noGrp="1"/>
           </p:cNvSpPr>
@@ -215,7 +214,7 @@
         <p:spPr>
           <a:xfrm>
             <a:off x="504000" y="1326600"/>
-            <a:ext cx="4426920" cy="1568160"/>
+            <a:ext cx="4426920" cy="1568520"/>
           </a:xfrm>
           <a:prstGeom prst="rect">
             <a:avLst/>
@@ -234,7 +233,7 @@
       </p:sp>
       <p:sp>
         <p:nvSpPr>
-          <p:cNvPr id="31" name="PlaceHolder 3"/>
+          <p:cNvPr id="28" name="PlaceHolder 3"/>
           <p:cNvSpPr>
             <a:spLocks noGrp="1"/>
           </p:cNvSpPr>
@@ -245,7 +244,7 @@
         <p:spPr>
           <a:xfrm>
             <a:off x="5152680" y="1326600"/>
-            <a:ext cx="4426920" cy="1568160"/>
+            <a:ext cx="4426920" cy="1568520"/>
           </a:xfrm>
           <a:prstGeom prst="rect">
             <a:avLst/>
@@ -264,7 +263,7 @@
       </p:sp>
       <p:sp>
         <p:nvSpPr>
-          <p:cNvPr id="32" name="PlaceHolder 4"/>
+          <p:cNvPr id="29" name="PlaceHolder 4"/>
           <p:cNvSpPr>
             <a:spLocks noGrp="1"/>
           </p:cNvSpPr>
@@ -274,8 +273,8 @@
         </p:nvSpPr>
         <p:spPr>
           <a:xfrm>
-            <a:off x="504000" y="3044160"/>
-            <a:ext cx="4426920" cy="1568160"/>
+            <a:off x="504000" y="3044520"/>
+            <a:ext cx="4426920" cy="1568520"/>
           </a:xfrm>
           <a:prstGeom prst="rect">
             <a:avLst/>
@@ -294,7 +293,7 @@
       </p:sp>
       <p:sp>
         <p:nvSpPr>
-          <p:cNvPr id="33" name="PlaceHolder 5"/>
+          <p:cNvPr id="30" name="PlaceHolder 5"/>
           <p:cNvSpPr>
             <a:spLocks noGrp="1"/>
           </p:cNvSpPr>
@@ -304,8 +303,8 @@
         </p:nvSpPr>
         <p:spPr>
           <a:xfrm>
-            <a:off x="5152680" y="3044160"/>
-            <a:ext cx="4426920" cy="1568160"/>
+            <a:off x="5152680" y="3044520"/>
+            <a:ext cx="4426920" cy="1568520"/>
           </a:xfrm>
           <a:prstGeom prst="rect">
             <a:avLst/>
@@ -346,7 +345,7 @@
       </p:grpSpPr>
       <p:sp>
         <p:nvSpPr>
-          <p:cNvPr id="34" name="PlaceHolder 1"/>
+          <p:cNvPr id="31" name="PlaceHolder 1"/>
           <p:cNvSpPr>
             <a:spLocks noGrp="1"/>
           </p:cNvSpPr>
@@ -357,7 +356,7 @@
         <p:spPr>
           <a:xfrm>
             <a:off x="504000" y="226080"/>
-            <a:ext cx="9071640" cy="946440"/>
+            <a:ext cx="9071280" cy="946080"/>
           </a:xfrm>
           <a:prstGeom prst="rect">
             <a:avLst/>
@@ -377,7 +376,7 @@
       </p:sp>
       <p:sp>
         <p:nvSpPr>
-          <p:cNvPr id="35" name="PlaceHolder 2"/>
+          <p:cNvPr id="32" name="PlaceHolder 2"/>
           <p:cNvSpPr>
             <a:spLocks noGrp="1"/>
           </p:cNvSpPr>
@@ -388,7 +387,7 @@
         <p:spPr>
           <a:xfrm>
             <a:off x="504000" y="1326600"/>
-            <a:ext cx="2920680" cy="1568160"/>
+            <a:ext cx="2921040" cy="1568520"/>
           </a:xfrm>
           <a:prstGeom prst="rect">
             <a:avLst/>
@@ -407,7 +406,7 @@
       </p:sp>
       <p:sp>
         <p:nvSpPr>
-          <p:cNvPr id="36" name="PlaceHolder 3"/>
+          <p:cNvPr id="33" name="PlaceHolder 3"/>
           <p:cNvSpPr>
             <a:spLocks noGrp="1"/>
           </p:cNvSpPr>
@@ -417,8 +416,8 @@
         </p:nvSpPr>
         <p:spPr>
           <a:xfrm>
-            <a:off x="3571200" y="1326600"/>
-            <a:ext cx="2920680" cy="1568160"/>
+            <a:off x="3571560" y="1326600"/>
+            <a:ext cx="2921040" cy="1568520"/>
           </a:xfrm>
           <a:prstGeom prst="rect">
             <a:avLst/>
@@ -437,7 +436,7 @@
       </p:sp>
       <p:sp>
         <p:nvSpPr>
-          <p:cNvPr id="37" name="PlaceHolder 4"/>
+          <p:cNvPr id="34" name="PlaceHolder 4"/>
           <p:cNvSpPr>
             <a:spLocks noGrp="1"/>
           </p:cNvSpPr>
@@ -447,8 +446,8 @@
         </p:nvSpPr>
         <p:spPr>
           <a:xfrm>
-            <a:off x="6638040" y="1326600"/>
-            <a:ext cx="2920680" cy="1568160"/>
+            <a:off x="6639120" y="1326600"/>
+            <a:ext cx="2921040" cy="1568520"/>
           </a:xfrm>
           <a:prstGeom prst="rect">
             <a:avLst/>
@@ -467,7 +466,7 @@
       </p:sp>
       <p:sp>
         <p:nvSpPr>
-          <p:cNvPr id="38" name="PlaceHolder 5"/>
+          <p:cNvPr id="35" name="PlaceHolder 5"/>
           <p:cNvSpPr>
             <a:spLocks noGrp="1"/>
           </p:cNvSpPr>
@@ -477,8 +476,8 @@
         </p:nvSpPr>
         <p:spPr>
           <a:xfrm>
-            <a:off x="504000" y="3044160"/>
-            <a:ext cx="2920680" cy="1568160"/>
+            <a:off x="504000" y="3044520"/>
+            <a:ext cx="2921040" cy="1568520"/>
           </a:xfrm>
           <a:prstGeom prst="rect">
             <a:avLst/>
@@ -497,7 +496,7 @@
       </p:sp>
       <p:sp>
         <p:nvSpPr>
-          <p:cNvPr id="39" name="PlaceHolder 6"/>
+          <p:cNvPr id="36" name="PlaceHolder 6"/>
           <p:cNvSpPr>
             <a:spLocks noGrp="1"/>
           </p:cNvSpPr>
@@ -507,8 +506,8 @@
         </p:nvSpPr>
         <p:spPr>
           <a:xfrm>
-            <a:off x="3571200" y="3044160"/>
-            <a:ext cx="2920680" cy="1568160"/>
+            <a:off x="3571560" y="3044520"/>
+            <a:ext cx="2921040" cy="1568520"/>
           </a:xfrm>
           <a:prstGeom prst="rect">
             <a:avLst/>
@@ -527,7 +526,7 @@
       </p:sp>
       <p:sp>
         <p:nvSpPr>
-          <p:cNvPr id="40" name="PlaceHolder 7"/>
+          <p:cNvPr id="37" name="PlaceHolder 7"/>
           <p:cNvSpPr>
             <a:spLocks noGrp="1"/>
           </p:cNvSpPr>
@@ -537,8 +536,8 @@
         </p:nvSpPr>
         <p:spPr>
           <a:xfrm>
-            <a:off x="6638040" y="3044160"/>
-            <a:ext cx="2920680" cy="1568160"/>
+            <a:off x="6639120" y="3044520"/>
+            <a:ext cx="2921040" cy="1568520"/>
           </a:xfrm>
           <a:prstGeom prst="rect">
             <a:avLst/>
@@ -579,7 +578,7 @@
       </p:grpSpPr>
       <p:sp>
         <p:nvSpPr>
-          <p:cNvPr id="5" name="PlaceHolder 1"/>
+          <p:cNvPr id="2" name="PlaceHolder 1"/>
           <p:cNvSpPr>
             <a:spLocks noGrp="1"/>
           </p:cNvSpPr>
@@ -590,7 +589,7 @@
         <p:spPr>
           <a:xfrm>
             <a:off x="504000" y="226080"/>
-            <a:ext cx="9071640" cy="946440"/>
+            <a:ext cx="9071280" cy="946080"/>
           </a:xfrm>
           <a:prstGeom prst="rect">
             <a:avLst/>
@@ -610,7 +609,7 @@
       </p:sp>
       <p:sp>
         <p:nvSpPr>
-          <p:cNvPr id="6" name="PlaceHolder 2"/>
+          <p:cNvPr id="3" name="PlaceHolder 2"/>
           <p:cNvSpPr>
             <a:spLocks noGrp="1"/>
           </p:cNvSpPr>
@@ -621,7 +620,7 @@
         <p:spPr>
           <a:xfrm>
             <a:off x="504000" y="1326600"/>
-            <a:ext cx="9071640" cy="3288240"/>
+            <a:ext cx="9072000" cy="3288600"/>
           </a:xfrm>
           <a:prstGeom prst="rect">
             <a:avLst/>
@@ -663,7 +662,7 @@
       </p:grpSpPr>
       <p:sp>
         <p:nvSpPr>
-          <p:cNvPr id="7" name="PlaceHolder 1"/>
+          <p:cNvPr id="4" name="PlaceHolder 1"/>
           <p:cNvSpPr>
             <a:spLocks noGrp="1"/>
           </p:cNvSpPr>
@@ -674,7 +673,7 @@
         <p:spPr>
           <a:xfrm>
             <a:off x="504000" y="226080"/>
-            <a:ext cx="9071640" cy="946440"/>
+            <a:ext cx="9071280" cy="946080"/>
           </a:xfrm>
           <a:prstGeom prst="rect">
             <a:avLst/>
@@ -694,7 +693,7 @@
       </p:sp>
       <p:sp>
         <p:nvSpPr>
-          <p:cNvPr id="8" name="PlaceHolder 2"/>
+          <p:cNvPr id="5" name="PlaceHolder 2"/>
           <p:cNvSpPr>
             <a:spLocks noGrp="1"/>
           </p:cNvSpPr>
@@ -705,7 +704,7 @@
         <p:spPr>
           <a:xfrm>
             <a:off x="504000" y="1326600"/>
-            <a:ext cx="9071640" cy="3288240"/>
+            <a:ext cx="9072000" cy="3288600"/>
           </a:xfrm>
           <a:prstGeom prst="rect">
             <a:avLst/>
@@ -746,7 +745,7 @@
       </p:grpSpPr>
       <p:sp>
         <p:nvSpPr>
-          <p:cNvPr id="9" name="PlaceHolder 1"/>
+          <p:cNvPr id="6" name="PlaceHolder 1"/>
           <p:cNvSpPr>
             <a:spLocks noGrp="1"/>
           </p:cNvSpPr>
@@ -757,7 +756,7 @@
         <p:spPr>
           <a:xfrm>
             <a:off x="504000" y="226080"/>
-            <a:ext cx="9071640" cy="946440"/>
+            <a:ext cx="9071280" cy="946080"/>
           </a:xfrm>
           <a:prstGeom prst="rect">
             <a:avLst/>
@@ -777,7 +776,7 @@
       </p:sp>
       <p:sp>
         <p:nvSpPr>
-          <p:cNvPr id="10" name="PlaceHolder 2"/>
+          <p:cNvPr id="7" name="PlaceHolder 2"/>
           <p:cNvSpPr>
             <a:spLocks noGrp="1"/>
           </p:cNvSpPr>
@@ -788,7 +787,7 @@
         <p:spPr>
           <a:xfrm>
             <a:off x="504000" y="1326600"/>
-            <a:ext cx="4426920" cy="3288240"/>
+            <a:ext cx="4426920" cy="3288600"/>
           </a:xfrm>
           <a:prstGeom prst="rect">
             <a:avLst/>
@@ -807,7 +806,7 @@
       </p:sp>
       <p:sp>
         <p:nvSpPr>
-          <p:cNvPr id="11" name="PlaceHolder 3"/>
+          <p:cNvPr id="8" name="PlaceHolder 3"/>
           <p:cNvSpPr>
             <a:spLocks noGrp="1"/>
           </p:cNvSpPr>
@@ -818,7 +817,7 @@
         <p:spPr>
           <a:xfrm>
             <a:off x="5152680" y="1326600"/>
-            <a:ext cx="4426920" cy="3288240"/>
+            <a:ext cx="4426920" cy="3288600"/>
           </a:xfrm>
           <a:prstGeom prst="rect">
             <a:avLst/>
@@ -859,7 +858,7 @@
       </p:grpSpPr>
       <p:sp>
         <p:nvSpPr>
-          <p:cNvPr id="12" name="PlaceHolder 1"/>
+          <p:cNvPr id="9" name="PlaceHolder 1"/>
           <p:cNvSpPr>
             <a:spLocks noGrp="1"/>
           </p:cNvSpPr>
@@ -870,7 +869,7 @@
         <p:spPr>
           <a:xfrm>
             <a:off x="504000" y="226080"/>
-            <a:ext cx="9071640" cy="946440"/>
+            <a:ext cx="9071280" cy="946080"/>
           </a:xfrm>
           <a:prstGeom prst="rect">
             <a:avLst/>
@@ -912,7 +911,7 @@
       </p:grpSpPr>
       <p:sp>
         <p:nvSpPr>
-          <p:cNvPr id="13" name="PlaceHolder 1"/>
+          <p:cNvPr id="10" name="PlaceHolder 1"/>
           <p:cNvSpPr>
             <a:spLocks noGrp="1"/>
           </p:cNvSpPr>
@@ -923,7 +922,7 @@
         <p:spPr>
           <a:xfrm>
             <a:off x="504000" y="226080"/>
-            <a:ext cx="9071640" cy="4388400"/>
+            <a:ext cx="9071280" cy="4386600"/>
           </a:xfrm>
           <a:prstGeom prst="rect">
             <a:avLst/>
@@ -965,7 +964,7 @@
       </p:grpSpPr>
       <p:sp>
         <p:nvSpPr>
-          <p:cNvPr id="14" name="PlaceHolder 1"/>
+          <p:cNvPr id="11" name="PlaceHolder 1"/>
           <p:cNvSpPr>
             <a:spLocks noGrp="1"/>
           </p:cNvSpPr>
@@ -976,7 +975,7 @@
         <p:spPr>
           <a:xfrm>
             <a:off x="504000" y="226080"/>
-            <a:ext cx="9071640" cy="946440"/>
+            <a:ext cx="9071280" cy="946080"/>
           </a:xfrm>
           <a:prstGeom prst="rect">
             <a:avLst/>
@@ -996,7 +995,7 @@
       </p:sp>
       <p:sp>
         <p:nvSpPr>
-          <p:cNvPr id="15" name="PlaceHolder 2"/>
+          <p:cNvPr id="12" name="PlaceHolder 2"/>
           <p:cNvSpPr>
             <a:spLocks noGrp="1"/>
           </p:cNvSpPr>
@@ -1007,7 +1006,7 @@
         <p:spPr>
           <a:xfrm>
             <a:off x="504000" y="1326600"/>
-            <a:ext cx="4426920" cy="1568160"/>
+            <a:ext cx="4426920" cy="1568520"/>
           </a:xfrm>
           <a:prstGeom prst="rect">
             <a:avLst/>
@@ -1026,7 +1025,7 @@
       </p:sp>
       <p:sp>
         <p:nvSpPr>
-          <p:cNvPr id="16" name="PlaceHolder 3"/>
+          <p:cNvPr id="13" name="PlaceHolder 3"/>
           <p:cNvSpPr>
             <a:spLocks noGrp="1"/>
           </p:cNvSpPr>
@@ -1037,7 +1036,7 @@
         <p:spPr>
           <a:xfrm>
             <a:off x="5152680" y="1326600"/>
-            <a:ext cx="4426920" cy="3288240"/>
+            <a:ext cx="4426920" cy="3288600"/>
           </a:xfrm>
           <a:prstGeom prst="rect">
             <a:avLst/>
@@ -1056,7 +1055,7 @@
       </p:sp>
       <p:sp>
         <p:nvSpPr>
-          <p:cNvPr id="17" name="PlaceHolder 4"/>
+          <p:cNvPr id="14" name="PlaceHolder 4"/>
           <p:cNvSpPr>
             <a:spLocks noGrp="1"/>
           </p:cNvSpPr>
@@ -1066,8 +1065,8 @@
         </p:nvSpPr>
         <p:spPr>
           <a:xfrm>
-            <a:off x="504000" y="3044160"/>
-            <a:ext cx="4426920" cy="1568160"/>
+            <a:off x="504000" y="3044520"/>
+            <a:ext cx="4426920" cy="1568520"/>
           </a:xfrm>
           <a:prstGeom prst="rect">
             <a:avLst/>
@@ -1108,7 +1107,7 @@
       </p:grpSpPr>
       <p:sp>
         <p:nvSpPr>
-          <p:cNvPr id="18" name="PlaceHolder 1"/>
+          <p:cNvPr id="15" name="PlaceHolder 1"/>
           <p:cNvSpPr>
             <a:spLocks noGrp="1"/>
           </p:cNvSpPr>
@@ -1119,7 +1118,7 @@
         <p:spPr>
           <a:xfrm>
             <a:off x="504000" y="226080"/>
-            <a:ext cx="9071640" cy="946440"/>
+            <a:ext cx="9071280" cy="946080"/>
           </a:xfrm>
           <a:prstGeom prst="rect">
             <a:avLst/>
@@ -1139,7 +1138,7 @@
       </p:sp>
       <p:sp>
         <p:nvSpPr>
-          <p:cNvPr id="19" name="PlaceHolder 2"/>
+          <p:cNvPr id="16" name="PlaceHolder 2"/>
           <p:cNvSpPr>
             <a:spLocks noGrp="1"/>
           </p:cNvSpPr>
@@ -1150,7 +1149,7 @@
         <p:spPr>
           <a:xfrm>
             <a:off x="504000" y="1326600"/>
-            <a:ext cx="4426920" cy="3288240"/>
+            <a:ext cx="4426920" cy="3288600"/>
           </a:xfrm>
           <a:prstGeom prst="rect">
             <a:avLst/>
@@ -1169,7 +1168,7 @@
       </p:sp>
       <p:sp>
         <p:nvSpPr>
-          <p:cNvPr id="20" name="PlaceHolder 3"/>
+          <p:cNvPr id="17" name="PlaceHolder 3"/>
           <p:cNvSpPr>
             <a:spLocks noGrp="1"/>
           </p:cNvSpPr>
@@ -1180,7 +1179,7 @@
         <p:spPr>
           <a:xfrm>
             <a:off x="5152680" y="1326600"/>
-            <a:ext cx="4426920" cy="1568160"/>
+            <a:ext cx="4426920" cy="1568520"/>
           </a:xfrm>
           <a:prstGeom prst="rect">
             <a:avLst/>
@@ -1199,7 +1198,7 @@
       </p:sp>
       <p:sp>
         <p:nvSpPr>
-          <p:cNvPr id="21" name="PlaceHolder 4"/>
+          <p:cNvPr id="18" name="PlaceHolder 4"/>
           <p:cNvSpPr>
             <a:spLocks noGrp="1"/>
           </p:cNvSpPr>
@@ -1209,8 +1208,8 @@
         </p:nvSpPr>
         <p:spPr>
           <a:xfrm>
-            <a:off x="5152680" y="3044160"/>
-            <a:ext cx="4426920" cy="1568160"/>
+            <a:off x="5152680" y="3044520"/>
+            <a:ext cx="4426920" cy="1568520"/>
           </a:xfrm>
           <a:prstGeom prst="rect">
             <a:avLst/>
@@ -1251,7 +1250,7 @@
       </p:grpSpPr>
       <p:sp>
         <p:nvSpPr>
-          <p:cNvPr id="22" name="PlaceHolder 1"/>
+          <p:cNvPr id="19" name="PlaceHolder 1"/>
           <p:cNvSpPr>
             <a:spLocks noGrp="1"/>
           </p:cNvSpPr>
@@ -1262,7 +1261,7 @@
         <p:spPr>
           <a:xfrm>
             <a:off x="504000" y="226080"/>
-            <a:ext cx="9071640" cy="946440"/>
+            <a:ext cx="9071280" cy="946080"/>
           </a:xfrm>
           <a:prstGeom prst="rect">
             <a:avLst/>
@@ -1282,7 +1281,7 @@
       </p:sp>
       <p:sp>
         <p:nvSpPr>
-          <p:cNvPr id="23" name="PlaceHolder 2"/>
+          <p:cNvPr id="20" name="PlaceHolder 2"/>
           <p:cNvSpPr>
             <a:spLocks noGrp="1"/>
           </p:cNvSpPr>
@@ -1293,7 +1292,7 @@
         <p:spPr>
           <a:xfrm>
             <a:off x="504000" y="1326600"/>
-            <a:ext cx="4426920" cy="1568160"/>
+            <a:ext cx="4426920" cy="1568520"/>
           </a:xfrm>
           <a:prstGeom prst="rect">
             <a:avLst/>
@@ -1312,7 +1311,7 @@
       </p:sp>
       <p:sp>
         <p:nvSpPr>
-          <p:cNvPr id="24" name="PlaceHolder 3"/>
+          <p:cNvPr id="21" name="PlaceHolder 3"/>
           <p:cNvSpPr>
             <a:spLocks noGrp="1"/>
           </p:cNvSpPr>
@@ -1323,7 +1322,7 @@
         <p:spPr>
           <a:xfrm>
             <a:off x="5152680" y="1326600"/>
-            <a:ext cx="4426920" cy="1568160"/>
+            <a:ext cx="4426920" cy="1568520"/>
           </a:xfrm>
           <a:prstGeom prst="rect">
             <a:avLst/>
@@ -1342,7 +1341,7 @@
       </p:sp>
       <p:sp>
         <p:nvSpPr>
-          <p:cNvPr id="25" name="PlaceHolder 4"/>
+          <p:cNvPr id="22" name="PlaceHolder 4"/>
           <p:cNvSpPr>
             <a:spLocks noGrp="1"/>
           </p:cNvSpPr>
@@ -1352,8 +1351,8 @@
         </p:nvSpPr>
         <p:spPr>
           <a:xfrm>
-            <a:off x="504000" y="3044160"/>
-            <a:ext cx="9071640" cy="1568160"/>
+            <a:off x="504000" y="3044520"/>
+            <a:ext cx="9072000" cy="1568520"/>
           </a:xfrm>
           <a:prstGeom prst="rect">
             <a:avLst/>
@@ -1405,7 +1404,7 @@
         <p:spPr>
           <a:xfrm>
             <a:off x="504000" y="226080"/>
-            <a:ext cx="9071640" cy="946440"/>
+            <a:ext cx="9071280" cy="946080"/>
           </a:xfrm>
           <a:prstGeom prst="rect">
             <a:avLst/>
@@ -1418,12 +1417,12 @@
           <a:p>
             <a:pPr algn="ctr"/>
             <a:r>
-              <a:rPr b="0" lang="en-US" sz="4400" spc="-1" strike="noStrike">
+              <a:rPr b="0" lang="en-US" sz="1800" spc="-1" strike="noStrike">
                 <a:latin typeface="Arial"/>
               </a:rPr>
               <a:t>Click to edit the title text format</a:t>
             </a:r>
-            <a:endParaRPr b="0" lang="en-US" sz="4400" spc="-1" strike="noStrike">
+            <a:endParaRPr b="0" lang="en-US" sz="1800" spc="-1" strike="noStrike">
               <a:latin typeface="Arial"/>
             </a:endParaRPr>
           </a:p>
@@ -1442,7 +1441,7 @@
         <p:spPr>
           <a:xfrm>
             <a:off x="504000" y="1326600"/>
-            <a:ext cx="9071640" cy="3288240"/>
+            <a:ext cx="9072000" cy="3288600"/>
           </a:xfrm>
           <a:prstGeom prst="rect">
             <a:avLst/>
@@ -1604,116 +1603,6 @@
             </a:r>
             <a:endParaRPr b="0" lang="en-US" sz="2000" spc="-1" strike="noStrike">
               <a:latin typeface="Arial"/>
-            </a:endParaRPr>
-          </a:p>
-        </p:txBody>
-      </p:sp>
-      <p:sp>
-        <p:nvSpPr>
-          <p:cNvPr id="2" name="PlaceHolder 3"/>
-          <p:cNvSpPr>
-            <a:spLocks noGrp="1"/>
-          </p:cNvSpPr>
-          <p:nvPr>
-            <p:ph type="dt"/>
-          </p:nvPr>
-        </p:nvSpPr>
-        <p:spPr>
-          <a:xfrm>
-            <a:off x="504000" y="5165280"/>
-            <a:ext cx="2348280" cy="390600"/>
-          </a:xfrm>
-          <a:prstGeom prst="rect">
-            <a:avLst/>
-          </a:prstGeom>
-        </p:spPr>
-        <p:txBody>
-          <a:bodyPr lIns="0" rIns="0" tIns="0" bIns="0">
-            <a:noAutofit/>
-          </a:bodyPr>
-          <a:p>
-            <a:r>
-              <a:rPr b="0" lang="en-US" sz="1400" spc="-1" strike="noStrike">
-                <a:latin typeface="Times New Roman"/>
-              </a:rPr>
-              <a:t>&lt;date/time&gt;</a:t>
-            </a:r>
-            <a:endParaRPr b="0" lang="en-US" sz="1400" spc="-1" strike="noStrike">
-              <a:latin typeface="Times New Roman"/>
-            </a:endParaRPr>
-          </a:p>
-        </p:txBody>
-      </p:sp>
-      <p:sp>
-        <p:nvSpPr>
-          <p:cNvPr id="3" name="PlaceHolder 4"/>
-          <p:cNvSpPr>
-            <a:spLocks noGrp="1"/>
-          </p:cNvSpPr>
-          <p:nvPr>
-            <p:ph type="ftr"/>
-          </p:nvPr>
-        </p:nvSpPr>
-        <p:spPr>
-          <a:xfrm>
-            <a:off x="3447360" y="5165280"/>
-            <a:ext cx="3195000" cy="390600"/>
-          </a:xfrm>
-          <a:prstGeom prst="rect">
-            <a:avLst/>
-          </a:prstGeom>
-        </p:spPr>
-        <p:txBody>
-          <a:bodyPr lIns="0" rIns="0" tIns="0" bIns="0">
-            <a:noAutofit/>
-          </a:bodyPr>
-          <a:p>
-            <a:pPr algn="ctr"/>
-            <a:r>
-              <a:rPr b="0" lang="en-US" sz="1400" spc="-1" strike="noStrike">
-                <a:latin typeface="Times New Roman"/>
-              </a:rPr>
-              <a:t>&lt;footer&gt;</a:t>
-            </a:r>
-            <a:endParaRPr b="0" lang="en-US" sz="1400" spc="-1" strike="noStrike">
-              <a:latin typeface="Times New Roman"/>
-            </a:endParaRPr>
-          </a:p>
-        </p:txBody>
-      </p:sp>
-      <p:sp>
-        <p:nvSpPr>
-          <p:cNvPr id="4" name="PlaceHolder 5"/>
-          <p:cNvSpPr>
-            <a:spLocks noGrp="1"/>
-          </p:cNvSpPr>
-          <p:nvPr>
-            <p:ph type="sldNum"/>
-          </p:nvPr>
-        </p:nvSpPr>
-        <p:spPr>
-          <a:xfrm>
-            <a:off x="7227360" y="5165280"/>
-            <a:ext cx="2348280" cy="390600"/>
-          </a:xfrm>
-          <a:prstGeom prst="rect">
-            <a:avLst/>
-          </a:prstGeom>
-        </p:spPr>
-        <p:txBody>
-          <a:bodyPr lIns="0" rIns="0" tIns="0" bIns="0">
-            <a:noAutofit/>
-          </a:bodyPr>
-          <a:p>
-            <a:pPr algn="r"/>
-            <a:fld id="{0626883E-618D-40B8-A5D3-64703519392A}" type="slidenum">
-              <a:rPr b="0" lang="en-US" sz="1400" spc="-1" strike="noStrike">
-                <a:latin typeface="Times New Roman"/>
-              </a:rPr>
-              <a:t>&lt;number&gt;</a:t>
-            </a:fld>
-            <a:endParaRPr b="0" lang="en-US" sz="1400" spc="-1" strike="noStrike">
-              <a:latin typeface="Times New Roman"/>
             </a:endParaRPr>
           </a:p>
         </p:txBody>
@@ -1757,14 +1646,14 @@
       </p:grpSpPr>
       <p:sp>
         <p:nvSpPr>
-          <p:cNvPr id="41" name="TextShape 1"/>
-          <p:cNvSpPr txBox="1"/>
+          <p:cNvPr id="38" name="CustomShape 1"/>
+          <p:cNvSpPr/>
           <p:nvPr/>
         </p:nvSpPr>
         <p:spPr>
           <a:xfrm>
             <a:off x="504000" y="226080"/>
-            <a:ext cx="9071640" cy="946440"/>
+            <a:ext cx="9071280" cy="946080"/>
           </a:xfrm>
           <a:prstGeom prst="rect">
             <a:avLst/>
@@ -1774,12 +1663,21 @@
             <a:noFill/>
           </a:ln>
         </p:spPr>
+        <p:style>
+          <a:lnRef idx="0"/>
+          <a:fillRef idx="0"/>
+          <a:effectRef idx="0"/>
+          <a:fontRef idx="minor"/>
+        </p:style>
         <p:txBody>
           <a:bodyPr lIns="0" rIns="0" tIns="0" bIns="0" anchor="ctr">
             <a:noAutofit/>
           </a:bodyPr>
           <a:p>
             <a:pPr algn="ctr">
+              <a:lnSpc>
+                <a:spcPct val="100000"/>
+              </a:lnSpc>
               <a:spcAft>
                 <a:spcPts val="1400"/>
               </a:spcAft>
@@ -1845,14 +1743,14 @@
       </p:sp>
       <p:sp>
         <p:nvSpPr>
-          <p:cNvPr id="42" name="TextShape 2"/>
-          <p:cNvSpPr txBox="1"/>
+          <p:cNvPr id="39" name="CustomShape 2"/>
+          <p:cNvSpPr/>
           <p:nvPr/>
         </p:nvSpPr>
         <p:spPr>
           <a:xfrm>
             <a:off x="504000" y="1172520"/>
-            <a:ext cx="4296600" cy="4304520"/>
+            <a:ext cx="4296240" cy="4304160"/>
           </a:xfrm>
           <a:prstGeom prst="rect">
             <a:avLst/>
@@ -1862,12 +1760,22 @@
             <a:noFill/>
           </a:ln>
         </p:spPr>
+        <p:style>
+          <a:lnRef idx="0"/>
+          <a:fillRef idx="0"/>
+          <a:effectRef idx="0"/>
+          <a:fontRef idx="minor"/>
+        </p:style>
         <p:txBody>
           <a:bodyPr lIns="0" rIns="0" tIns="0" bIns="0" anchor="ctr">
             <a:noAutofit/>
           </a:bodyPr>
           <a:p>
-            <a:pPr algn="ctr"/>
+            <a:pPr algn="ctr">
+              <a:lnSpc>
+                <a:spcPct val="100000"/>
+              </a:lnSpc>
+            </a:pPr>
             <a:r>
               <a:rPr b="1" lang="en-US" sz="1400" spc="-1" strike="noStrike">
                 <a:latin typeface="Arial"/>
@@ -1885,13 +1793,21 @@
             </a:endParaRPr>
           </a:p>
           <a:p>
-            <a:pPr algn="ctr"/>
-            <a:endParaRPr b="0" lang="en-US" sz="1400" spc="-1" strike="noStrike">
-              <a:latin typeface="Arial"/>
-            </a:endParaRPr>
-          </a:p>
-          <a:p>
-            <a:pPr algn="ctr"/>
+            <a:pPr algn="ctr">
+              <a:lnSpc>
+                <a:spcPct val="100000"/>
+              </a:lnSpc>
+            </a:pPr>
+            <a:endParaRPr b="0" lang="en-US" sz="1400" spc="-1" strike="noStrike">
+              <a:latin typeface="Arial"/>
+            </a:endParaRPr>
+          </a:p>
+          <a:p>
+            <a:pPr algn="ctr">
+              <a:lnSpc>
+                <a:spcPct val="100000"/>
+              </a:lnSpc>
+            </a:pPr>
             <a:r>
               <a:rPr b="1" lang="en-US" sz="1400" spc="-1" strike="noStrike">
                 <a:latin typeface="Arial"/>
@@ -1909,12 +1825,21 @@
             </a:endParaRPr>
           </a:p>
           <a:p>
-            <a:pPr algn="ctr"/>
-            <a:endParaRPr b="0" lang="en-US" sz="1400" spc="-1" strike="noStrike">
-              <a:latin typeface="Arial"/>
-            </a:endParaRPr>
-          </a:p>
-          <a:p>
+            <a:pPr algn="ctr">
+              <a:lnSpc>
+                <a:spcPct val="100000"/>
+              </a:lnSpc>
+            </a:pPr>
+            <a:endParaRPr b="0" lang="en-US" sz="1400" spc="-1" strike="noStrike">
+              <a:latin typeface="Arial"/>
+            </a:endParaRPr>
+          </a:p>
+          <a:p>
+            <a:pPr>
+              <a:lnSpc>
+                <a:spcPct val="100000"/>
+              </a:lnSpc>
+            </a:pPr>
             <a:r>
               <a:rPr b="1" lang="en-US" sz="1400" spc="-1" strike="noStrike">
                 <a:latin typeface="Arial"/>
@@ -1926,12 +1851,21 @@
             </a:endParaRPr>
           </a:p>
           <a:p>
-            <a:pPr algn="ctr"/>
-            <a:endParaRPr b="0" lang="en-US" sz="1400" spc="-1" strike="noStrike">
-              <a:latin typeface="Arial"/>
-            </a:endParaRPr>
-          </a:p>
-          <a:p>
+            <a:pPr algn="ctr">
+              <a:lnSpc>
+                <a:spcPct val="100000"/>
+              </a:lnSpc>
+            </a:pPr>
+            <a:endParaRPr b="0" lang="en-US" sz="1400" spc="-1" strike="noStrike">
+              <a:latin typeface="Arial"/>
+            </a:endParaRPr>
+          </a:p>
+          <a:p>
+            <a:pPr>
+              <a:lnSpc>
+                <a:spcPct val="100000"/>
+              </a:lnSpc>
+            </a:pPr>
             <a:r>
               <a:rPr b="0" lang="en-US" sz="1400" spc="-1" strike="noStrike">
                 <a:latin typeface="Arial"/>
@@ -1949,6 +1883,11 @@
             </a:endParaRPr>
           </a:p>
           <a:p>
+            <a:pPr>
+              <a:lnSpc>
+                <a:spcPct val="100000"/>
+              </a:lnSpc>
+            </a:pPr>
             <a:r>
               <a:rPr b="0" lang="en-US" sz="1800" spc="-1" strike="noStrike">
                 <a:latin typeface="Arial"/>
@@ -1966,11 +1905,21 @@
             </a:endParaRPr>
           </a:p>
           <a:p>
-            <a:endParaRPr b="0" lang="en-US" sz="1400" spc="-1" strike="noStrike">
-              <a:latin typeface="Arial"/>
-            </a:endParaRPr>
-          </a:p>
-          <a:p>
+            <a:pPr>
+              <a:lnSpc>
+                <a:spcPct val="100000"/>
+              </a:lnSpc>
+            </a:pPr>
+            <a:endParaRPr b="0" lang="en-US" sz="1400" spc="-1" strike="noStrike">
+              <a:latin typeface="Arial"/>
+            </a:endParaRPr>
+          </a:p>
+          <a:p>
+            <a:pPr>
+              <a:lnSpc>
+                <a:spcPct val="100000"/>
+              </a:lnSpc>
+            </a:pPr>
             <a:r>
               <a:rPr b="1" lang="en-US" sz="1400" spc="-1" strike="noStrike">
                 <a:latin typeface="Arial"/>
@@ -1991,21 +1940,21 @@
       </p:sp>
       <p:grpSp>
         <p:nvGrpSpPr>
-          <p:cNvPr id="43" name="Group 3"/>
+          <p:cNvPr id="40" name="Group 3"/>
           <p:cNvGrpSpPr/>
           <p:nvPr/>
         </p:nvGrpSpPr>
         <p:grpSpPr>
           <a:xfrm>
             <a:off x="5029200" y="1600200"/>
-            <a:ext cx="4800960" cy="3200400"/>
+            <a:ext cx="4800600" cy="3200040"/>
             <a:chOff x="5029200" y="1600200"/>
-            <a:chExt cx="4800960" cy="3200400"/>
+            <a:chExt cx="4800600" cy="3200040"/>
           </a:xfrm>
         </p:grpSpPr>
         <p:pic>
           <p:nvPicPr>
-            <p:cNvPr id="44" name="" descr=""/>
+            <p:cNvPr id="41" name="" descr=""/>
             <p:cNvPicPr/>
             <p:nvPr/>
           </p:nvPicPr>
@@ -2017,7 +1966,7 @@
           <p:spPr>
             <a:xfrm>
               <a:off x="5029200" y="1600200"/>
-              <a:ext cx="4800960" cy="3200400"/>
+              <a:ext cx="4800600" cy="3200040"/>
             </a:xfrm>
             <a:prstGeom prst="rect">
               <a:avLst/>
@@ -2029,14 +1978,14 @@
         </p:pic>
         <p:sp>
           <p:nvSpPr>
-            <p:cNvPr id="45" name="CustomShape 4"/>
+            <p:cNvPr id="42" name="CustomShape 4"/>
             <p:cNvSpPr/>
             <p:nvPr/>
           </p:nvSpPr>
           <p:spPr>
             <a:xfrm>
               <a:off x="6172200" y="2286000"/>
-              <a:ext cx="2761560" cy="128160"/>
+              <a:ext cx="2761200" cy="127800"/>
             </a:xfrm>
             <a:prstGeom prst="rect">
               <a:avLst/>
@@ -2061,14 +2010,14 @@
         </p:sp>
         <p:sp>
           <p:nvSpPr>
-            <p:cNvPr id="46" name="CustomShape 5"/>
+            <p:cNvPr id="43" name="CustomShape 5"/>
             <p:cNvSpPr/>
             <p:nvPr/>
           </p:nvSpPr>
           <p:spPr>
             <a:xfrm>
               <a:off x="6172200" y="3117960"/>
-              <a:ext cx="2761560" cy="128160"/>
+              <a:ext cx="2761200" cy="127800"/>
             </a:xfrm>
             <a:prstGeom prst="rect">
               <a:avLst/>
@@ -2124,14 +2073,14 @@
       </p:grpSpPr>
       <p:sp>
         <p:nvSpPr>
-          <p:cNvPr id="47" name="TextShape 1"/>
-          <p:cNvSpPr txBox="1"/>
+          <p:cNvPr id="44" name="CustomShape 1"/>
+          <p:cNvSpPr/>
           <p:nvPr/>
         </p:nvSpPr>
         <p:spPr>
           <a:xfrm>
             <a:off x="504000" y="226080"/>
-            <a:ext cx="9071640" cy="946440"/>
+            <a:ext cx="9071280" cy="946080"/>
           </a:xfrm>
           <a:prstGeom prst="rect">
             <a:avLst/>
@@ -2141,12 +2090,21 @@
             <a:noFill/>
           </a:ln>
         </p:spPr>
+        <p:style>
+          <a:lnRef idx="0"/>
+          <a:fillRef idx="0"/>
+          <a:effectRef idx="0"/>
+          <a:fontRef idx="minor"/>
+        </p:style>
         <p:txBody>
           <a:bodyPr lIns="0" rIns="0" tIns="0" bIns="0" anchor="ctr">
             <a:noAutofit/>
           </a:bodyPr>
           <a:p>
             <a:pPr algn="ctr">
+              <a:lnSpc>
+                <a:spcPct val="100000"/>
+              </a:lnSpc>
               <a:spcAft>
                 <a:spcPts val="1400"/>
               </a:spcAft>
@@ -2202,14 +2160,14 @@
       </p:sp>
       <p:sp>
         <p:nvSpPr>
-          <p:cNvPr id="48" name="TextShape 2"/>
-          <p:cNvSpPr txBox="1"/>
+          <p:cNvPr id="45" name="CustomShape 2"/>
+          <p:cNvSpPr/>
           <p:nvPr/>
         </p:nvSpPr>
         <p:spPr>
           <a:xfrm>
             <a:off x="504000" y="1172520"/>
-            <a:ext cx="4296600" cy="4304520"/>
+            <a:ext cx="4296240" cy="4304160"/>
           </a:xfrm>
           <a:prstGeom prst="rect">
             <a:avLst/>
@@ -2219,12 +2177,22 @@
             <a:noFill/>
           </a:ln>
         </p:spPr>
+        <p:style>
+          <a:lnRef idx="0"/>
+          <a:fillRef idx="0"/>
+          <a:effectRef idx="0"/>
+          <a:fontRef idx="minor"/>
+        </p:style>
         <p:txBody>
           <a:bodyPr lIns="0" rIns="0" tIns="0" bIns="0" anchor="ctr">
             <a:noAutofit/>
           </a:bodyPr>
           <a:p>
-            <a:pPr algn="ctr"/>
+            <a:pPr algn="ctr">
+              <a:lnSpc>
+                <a:spcPct val="100000"/>
+              </a:lnSpc>
+            </a:pPr>
             <a:r>
               <a:rPr b="1" lang="en-US" sz="1400" spc="-1" strike="noStrike">
                 <a:latin typeface="Arial"/>
@@ -2242,13 +2210,21 @@
             </a:endParaRPr>
           </a:p>
           <a:p>
-            <a:pPr algn="ctr"/>
-            <a:endParaRPr b="0" lang="en-US" sz="1400" spc="-1" strike="noStrike">
-              <a:latin typeface="Arial"/>
-            </a:endParaRPr>
-          </a:p>
-          <a:p>
-            <a:pPr algn="ctr"/>
+            <a:pPr algn="ctr">
+              <a:lnSpc>
+                <a:spcPct val="100000"/>
+              </a:lnSpc>
+            </a:pPr>
+            <a:endParaRPr b="0" lang="en-US" sz="1400" spc="-1" strike="noStrike">
+              <a:latin typeface="Arial"/>
+            </a:endParaRPr>
+          </a:p>
+          <a:p>
+            <a:pPr algn="ctr">
+              <a:lnSpc>
+                <a:spcPct val="100000"/>
+              </a:lnSpc>
+            </a:pPr>
             <a:r>
               <a:rPr b="1" lang="en-US" sz="1400" spc="-1" strike="noStrike">
                 <a:latin typeface="Arial"/>
@@ -2266,12 +2242,21 @@
             </a:endParaRPr>
           </a:p>
           <a:p>
-            <a:pPr algn="ctr"/>
-            <a:endParaRPr b="0" lang="en-US" sz="1400" spc="-1" strike="noStrike">
-              <a:latin typeface="Arial"/>
-            </a:endParaRPr>
-          </a:p>
-          <a:p>
+            <a:pPr algn="ctr">
+              <a:lnSpc>
+                <a:spcPct val="100000"/>
+              </a:lnSpc>
+            </a:pPr>
+            <a:endParaRPr b="0" lang="en-US" sz="1400" spc="-1" strike="noStrike">
+              <a:latin typeface="Arial"/>
+            </a:endParaRPr>
+          </a:p>
+          <a:p>
+            <a:pPr>
+              <a:lnSpc>
+                <a:spcPct val="100000"/>
+              </a:lnSpc>
+            </a:pPr>
             <a:r>
               <a:rPr b="1" lang="en-US" sz="1400" spc="-1" strike="noStrike">
                 <a:latin typeface="Arial"/>
@@ -2283,12 +2268,21 @@
             </a:endParaRPr>
           </a:p>
           <a:p>
-            <a:pPr algn="ctr"/>
-            <a:endParaRPr b="0" lang="en-US" sz="1400" spc="-1" strike="noStrike">
-              <a:latin typeface="Arial"/>
-            </a:endParaRPr>
-          </a:p>
-          <a:p>
+            <a:pPr algn="ctr">
+              <a:lnSpc>
+                <a:spcPct val="100000"/>
+              </a:lnSpc>
+            </a:pPr>
+            <a:endParaRPr b="0" lang="en-US" sz="1400" spc="-1" strike="noStrike">
+              <a:latin typeface="Arial"/>
+            </a:endParaRPr>
+          </a:p>
+          <a:p>
+            <a:pPr>
+              <a:lnSpc>
+                <a:spcPct val="100000"/>
+              </a:lnSpc>
+            </a:pPr>
             <a:r>
               <a:rPr b="0" lang="en-US" sz="1400" spc="-1" strike="noStrike">
                 <a:latin typeface="Arial"/>
@@ -2306,6 +2300,11 @@
             </a:endParaRPr>
           </a:p>
           <a:p>
+            <a:pPr>
+              <a:lnSpc>
+                <a:spcPct val="100000"/>
+              </a:lnSpc>
+            </a:pPr>
             <a:r>
               <a:rPr b="0" lang="en-US" sz="1800" spc="-1" strike="noStrike">
                 <a:latin typeface="Arial"/>
@@ -2333,20 +2332,38 @@
             </a:endParaRPr>
           </a:p>
           <a:p>
-            <a:endParaRPr b="0" lang="en-US" sz="1400" spc="-1" strike="noStrike">
-              <a:latin typeface="Arial"/>
-            </a:endParaRPr>
-          </a:p>
-          <a:p>
+            <a:pPr>
+              <a:lnSpc>
+                <a:spcPct val="100000"/>
+              </a:lnSpc>
+            </a:pPr>
+            <a:endParaRPr b="0" lang="en-US" sz="1400" spc="-1" strike="noStrike">
+              <a:latin typeface="Arial"/>
+            </a:endParaRPr>
+          </a:p>
+          <a:p>
+            <a:pPr>
+              <a:lnSpc>
+                <a:spcPct val="100000"/>
+              </a:lnSpc>
+            </a:pPr>
             <a:r>
               <a:rPr b="1" lang="en-US" sz="1400" spc="-1" strike="noStrike">
-                <a:latin typeface="Arial"/>
+                <a:solidFill>
+                  <a:srgbClr val="000000"/>
+                </a:solidFill>
+                <a:latin typeface="Arial"/>
+                <a:ea typeface="Times New Roman"/>
               </a:rPr>
               <a:t>Actual Result:</a:t>
             </a:r>
             <a:r>
               <a:rPr b="0" lang="en-US" sz="1400" spc="-1" strike="noStrike">
-                <a:latin typeface="Arial"/>
+                <a:solidFill>
+                  <a:srgbClr val="000000"/>
+                </a:solidFill>
+                <a:latin typeface="Arial"/>
+                <a:ea typeface="Times New Roman"/>
               </a:rPr>
               <a:t>  [x] Passing  [  ] Failing</a:t>
             </a:r>
@@ -2358,21 +2375,21 @@
       </p:sp>
       <p:grpSp>
         <p:nvGrpSpPr>
-          <p:cNvPr id="49" name="Group 3"/>
+          <p:cNvPr id="46" name="Group 3"/>
           <p:cNvGrpSpPr/>
           <p:nvPr/>
         </p:nvGrpSpPr>
         <p:grpSpPr>
           <a:xfrm>
             <a:off x="5029200" y="1371600"/>
-            <a:ext cx="4800960" cy="3200400"/>
+            <a:ext cx="4800600" cy="3200040"/>
             <a:chOff x="5029200" y="1371600"/>
-            <a:chExt cx="4800960" cy="3200400"/>
+            <a:chExt cx="4800600" cy="3200040"/>
           </a:xfrm>
         </p:grpSpPr>
         <p:pic>
           <p:nvPicPr>
-            <p:cNvPr id="50" name="" descr=""/>
+            <p:cNvPr id="47" name="" descr=""/>
             <p:cNvPicPr/>
             <p:nvPr/>
           </p:nvPicPr>
@@ -2384,7 +2401,7 @@
           <p:spPr>
             <a:xfrm>
               <a:off x="5029200" y="1371600"/>
-              <a:ext cx="4800960" cy="3200400"/>
+              <a:ext cx="4800600" cy="3200040"/>
             </a:xfrm>
             <a:prstGeom prst="rect">
               <a:avLst/>
@@ -2396,14 +2413,14 @@
         </p:pic>
         <p:sp>
           <p:nvSpPr>
-            <p:cNvPr id="51" name="CustomShape 4"/>
+            <p:cNvPr id="48" name="CustomShape 4"/>
             <p:cNvSpPr/>
             <p:nvPr/>
           </p:nvSpPr>
           <p:spPr>
             <a:xfrm>
               <a:off x="6172560" y="2999160"/>
-              <a:ext cx="2743200" cy="1463040"/>
+              <a:ext cx="2742840" cy="1462680"/>
             </a:xfrm>
             <a:prstGeom prst="rect">
               <a:avLst/>
@@ -2428,14 +2445,14 @@
         </p:sp>
         <p:sp>
           <p:nvSpPr>
-            <p:cNvPr id="52" name="CustomShape 5"/>
+            <p:cNvPr id="49" name="CustomShape 5"/>
             <p:cNvSpPr/>
             <p:nvPr/>
           </p:nvSpPr>
           <p:spPr>
             <a:xfrm>
               <a:off x="6172200" y="2185560"/>
-              <a:ext cx="2761560" cy="703800"/>
+              <a:ext cx="2761200" cy="703440"/>
             </a:xfrm>
             <a:prstGeom prst="rect">
               <a:avLst/>
@@ -2491,14 +2508,14 @@
       </p:grpSpPr>
       <p:sp>
         <p:nvSpPr>
-          <p:cNvPr id="53" name="TextShape 1"/>
-          <p:cNvSpPr txBox="1"/>
+          <p:cNvPr id="50" name="CustomShape 1"/>
+          <p:cNvSpPr/>
           <p:nvPr/>
         </p:nvSpPr>
         <p:spPr>
           <a:xfrm>
             <a:off x="504000" y="226080"/>
-            <a:ext cx="9071640" cy="946440"/>
+            <a:ext cx="9071280" cy="946080"/>
           </a:xfrm>
           <a:prstGeom prst="rect">
             <a:avLst/>
@@ -2508,12 +2525,21 @@
             <a:noFill/>
           </a:ln>
         </p:spPr>
+        <p:style>
+          <a:lnRef idx="0"/>
+          <a:fillRef idx="0"/>
+          <a:effectRef idx="0"/>
+          <a:fontRef idx="minor"/>
+        </p:style>
         <p:txBody>
           <a:bodyPr lIns="0" rIns="0" tIns="0" bIns="0" anchor="ctr">
             <a:noAutofit/>
           </a:bodyPr>
           <a:p>
             <a:pPr algn="ctr">
+              <a:lnSpc>
+                <a:spcPct val="100000"/>
+              </a:lnSpc>
               <a:spcAft>
                 <a:spcPts val="1400"/>
               </a:spcAft>
@@ -2569,14 +2595,14 @@
       </p:sp>
       <p:sp>
         <p:nvSpPr>
-          <p:cNvPr id="54" name="TextShape 2"/>
-          <p:cNvSpPr txBox="1"/>
+          <p:cNvPr id="51" name="CustomShape 2"/>
+          <p:cNvSpPr/>
           <p:nvPr/>
         </p:nvSpPr>
         <p:spPr>
           <a:xfrm>
             <a:off x="504000" y="1172520"/>
-            <a:ext cx="4296600" cy="4304520"/>
+            <a:ext cx="4296240" cy="4304160"/>
           </a:xfrm>
           <a:prstGeom prst="rect">
             <a:avLst/>
@@ -2586,12 +2612,22 @@
             <a:noFill/>
           </a:ln>
         </p:spPr>
+        <p:style>
+          <a:lnRef idx="0"/>
+          <a:fillRef idx="0"/>
+          <a:effectRef idx="0"/>
+          <a:fontRef idx="minor"/>
+        </p:style>
         <p:txBody>
           <a:bodyPr lIns="0" rIns="0" tIns="0" bIns="0" anchor="ctr">
             <a:noAutofit/>
           </a:bodyPr>
           <a:p>
-            <a:pPr algn="ctr"/>
+            <a:pPr algn="ctr">
+              <a:lnSpc>
+                <a:spcPct val="100000"/>
+              </a:lnSpc>
+            </a:pPr>
             <a:r>
               <a:rPr b="1" lang="en-US" sz="1400" spc="-1" strike="noStrike">
                 <a:latin typeface="Arial"/>
@@ -2609,13 +2645,21 @@
             </a:endParaRPr>
           </a:p>
           <a:p>
-            <a:pPr algn="ctr"/>
-            <a:endParaRPr b="0" lang="en-US" sz="1400" spc="-1" strike="noStrike">
-              <a:latin typeface="Arial"/>
-            </a:endParaRPr>
-          </a:p>
-          <a:p>
-            <a:pPr algn="ctr"/>
+            <a:pPr algn="ctr">
+              <a:lnSpc>
+                <a:spcPct val="100000"/>
+              </a:lnSpc>
+            </a:pPr>
+            <a:endParaRPr b="0" lang="en-US" sz="1400" spc="-1" strike="noStrike">
+              <a:latin typeface="Arial"/>
+            </a:endParaRPr>
+          </a:p>
+          <a:p>
+            <a:pPr algn="ctr">
+              <a:lnSpc>
+                <a:spcPct val="100000"/>
+              </a:lnSpc>
+            </a:pPr>
             <a:r>
               <a:rPr b="1" lang="en-US" sz="1400" spc="-1" strike="noStrike">
                 <a:latin typeface="Arial"/>
@@ -2633,12 +2677,21 @@
             </a:endParaRPr>
           </a:p>
           <a:p>
-            <a:pPr algn="ctr"/>
-            <a:endParaRPr b="0" lang="en-US" sz="1400" spc="-1" strike="noStrike">
-              <a:latin typeface="Arial"/>
-            </a:endParaRPr>
-          </a:p>
-          <a:p>
+            <a:pPr algn="ctr">
+              <a:lnSpc>
+                <a:spcPct val="100000"/>
+              </a:lnSpc>
+            </a:pPr>
+            <a:endParaRPr b="0" lang="en-US" sz="1400" spc="-1" strike="noStrike">
+              <a:latin typeface="Arial"/>
+            </a:endParaRPr>
+          </a:p>
+          <a:p>
+            <a:pPr>
+              <a:lnSpc>
+                <a:spcPct val="100000"/>
+              </a:lnSpc>
+            </a:pPr>
             <a:r>
               <a:rPr b="1" lang="en-US" sz="1400" spc="-1" strike="noStrike">
                 <a:latin typeface="Arial"/>
@@ -2650,12 +2703,21 @@
             </a:endParaRPr>
           </a:p>
           <a:p>
-            <a:pPr algn="ctr"/>
-            <a:endParaRPr b="0" lang="en-US" sz="1400" spc="-1" strike="noStrike">
-              <a:latin typeface="Arial"/>
-            </a:endParaRPr>
-          </a:p>
-          <a:p>
+            <a:pPr algn="ctr">
+              <a:lnSpc>
+                <a:spcPct val="100000"/>
+              </a:lnSpc>
+            </a:pPr>
+            <a:endParaRPr b="0" lang="en-US" sz="1400" spc="-1" strike="noStrike">
+              <a:latin typeface="Arial"/>
+            </a:endParaRPr>
+          </a:p>
+          <a:p>
+            <a:pPr>
+              <a:lnSpc>
+                <a:spcPct val="100000"/>
+              </a:lnSpc>
+            </a:pPr>
             <a:r>
               <a:rPr b="0" lang="en-US" sz="1400" spc="-1" strike="noStrike">
                 <a:latin typeface="Arial"/>
@@ -2673,6 +2735,11 @@
             </a:endParaRPr>
           </a:p>
           <a:p>
+            <a:pPr>
+              <a:lnSpc>
+                <a:spcPct val="100000"/>
+              </a:lnSpc>
+            </a:pPr>
             <a:r>
               <a:rPr b="0" lang="en-US" sz="1800" spc="-1" strike="noStrike">
                 <a:latin typeface="Arial"/>
@@ -2700,20 +2767,38 @@
             </a:endParaRPr>
           </a:p>
           <a:p>
-            <a:endParaRPr b="0" lang="en-US" sz="1400" spc="-1" strike="noStrike">
-              <a:latin typeface="Arial"/>
-            </a:endParaRPr>
-          </a:p>
-          <a:p>
+            <a:pPr>
+              <a:lnSpc>
+                <a:spcPct val="100000"/>
+              </a:lnSpc>
+            </a:pPr>
+            <a:endParaRPr b="0" lang="en-US" sz="1400" spc="-1" strike="noStrike">
+              <a:latin typeface="Arial"/>
+            </a:endParaRPr>
+          </a:p>
+          <a:p>
+            <a:pPr>
+              <a:lnSpc>
+                <a:spcPct val="100000"/>
+              </a:lnSpc>
+            </a:pPr>
             <a:r>
               <a:rPr b="1" lang="en-US" sz="1400" spc="-1" strike="noStrike">
-                <a:latin typeface="Arial"/>
+                <a:solidFill>
+                  <a:srgbClr val="000000"/>
+                </a:solidFill>
+                <a:latin typeface="Arial"/>
+                <a:ea typeface="Times New Roman"/>
               </a:rPr>
               <a:t>Actual Result:</a:t>
             </a:r>
             <a:r>
               <a:rPr b="0" lang="en-US" sz="1400" spc="-1" strike="noStrike">
-                <a:latin typeface="Arial"/>
+                <a:solidFill>
+                  <a:srgbClr val="000000"/>
+                </a:solidFill>
+                <a:latin typeface="Arial"/>
+                <a:ea typeface="Times New Roman"/>
               </a:rPr>
               <a:t>  [x] Passing  [  ] Failing</a:t>
             </a:r>
@@ -2725,7 +2810,7 @@
       </p:sp>
       <p:pic>
         <p:nvPicPr>
-          <p:cNvPr id="55" name="" descr=""/>
+          <p:cNvPr id="52" name="" descr=""/>
           <p:cNvPicPr/>
           <p:nvPr/>
         </p:nvPicPr>
@@ -2737,7 +2822,7 @@
         <p:spPr>
           <a:xfrm>
             <a:off x="5029560" y="1371600"/>
-            <a:ext cx="4800960" cy="3200400"/>
+            <a:ext cx="4800600" cy="3200040"/>
           </a:xfrm>
           <a:prstGeom prst="rect">
             <a:avLst/>
@@ -2749,14 +2834,14 @@
       </p:pic>
       <p:sp>
         <p:nvSpPr>
-          <p:cNvPr id="56" name="CustomShape 3"/>
+          <p:cNvPr id="53" name="CustomShape 3"/>
           <p:cNvSpPr/>
           <p:nvPr/>
         </p:nvSpPr>
         <p:spPr>
           <a:xfrm>
             <a:off x="8668440" y="2057400"/>
-            <a:ext cx="932760" cy="2514600"/>
+            <a:ext cx="932400" cy="2514240"/>
           </a:xfrm>
           <a:prstGeom prst="rect">
             <a:avLst/>
@@ -2811,14 +2896,14 @@
       </p:grpSpPr>
       <p:sp>
         <p:nvSpPr>
-          <p:cNvPr id="57" name="TextShape 1"/>
-          <p:cNvSpPr txBox="1"/>
+          <p:cNvPr id="54" name="CustomShape 1"/>
+          <p:cNvSpPr/>
           <p:nvPr/>
         </p:nvSpPr>
         <p:spPr>
           <a:xfrm>
             <a:off x="504000" y="226080"/>
-            <a:ext cx="9071640" cy="946440"/>
+            <a:ext cx="9071280" cy="946080"/>
           </a:xfrm>
           <a:prstGeom prst="rect">
             <a:avLst/>
@@ -2828,12 +2913,21 @@
             <a:noFill/>
           </a:ln>
         </p:spPr>
+        <p:style>
+          <a:lnRef idx="0"/>
+          <a:fillRef idx="0"/>
+          <a:effectRef idx="0"/>
+          <a:fontRef idx="minor"/>
+        </p:style>
         <p:txBody>
           <a:bodyPr lIns="0" rIns="0" tIns="0" bIns="0" anchor="ctr">
             <a:noAutofit/>
           </a:bodyPr>
           <a:p>
             <a:pPr algn="ctr">
+              <a:lnSpc>
+                <a:spcPct val="100000"/>
+              </a:lnSpc>
               <a:spcAft>
                 <a:spcPts val="1400"/>
               </a:spcAft>
@@ -2889,14 +2983,14 @@
       </p:sp>
       <p:sp>
         <p:nvSpPr>
-          <p:cNvPr id="58" name="TextShape 2"/>
-          <p:cNvSpPr txBox="1"/>
+          <p:cNvPr id="55" name="CustomShape 2"/>
+          <p:cNvSpPr/>
           <p:nvPr/>
         </p:nvSpPr>
         <p:spPr>
           <a:xfrm>
             <a:off x="504000" y="1172520"/>
-            <a:ext cx="4296600" cy="4304520"/>
+            <a:ext cx="4296240" cy="4304160"/>
           </a:xfrm>
           <a:prstGeom prst="rect">
             <a:avLst/>
@@ -2906,12 +3000,22 @@
             <a:noFill/>
           </a:ln>
         </p:spPr>
+        <p:style>
+          <a:lnRef idx="0"/>
+          <a:fillRef idx="0"/>
+          <a:effectRef idx="0"/>
+          <a:fontRef idx="minor"/>
+        </p:style>
         <p:txBody>
           <a:bodyPr lIns="0" rIns="0" tIns="0" bIns="0" anchor="ctr">
             <a:noAutofit/>
           </a:bodyPr>
           <a:p>
-            <a:pPr algn="ctr"/>
+            <a:pPr algn="ctr">
+              <a:lnSpc>
+                <a:spcPct val="100000"/>
+              </a:lnSpc>
+            </a:pPr>
             <a:r>
               <a:rPr b="1" lang="en-US" sz="1400" spc="-1" strike="noStrike">
                 <a:latin typeface="Arial"/>
@@ -2929,13 +3033,21 @@
             </a:endParaRPr>
           </a:p>
           <a:p>
-            <a:pPr algn="ctr"/>
-            <a:endParaRPr b="0" lang="en-US" sz="1400" spc="-1" strike="noStrike">
-              <a:latin typeface="Arial"/>
-            </a:endParaRPr>
-          </a:p>
-          <a:p>
-            <a:pPr algn="ctr"/>
+            <a:pPr algn="ctr">
+              <a:lnSpc>
+                <a:spcPct val="100000"/>
+              </a:lnSpc>
+            </a:pPr>
+            <a:endParaRPr b="0" lang="en-US" sz="1400" spc="-1" strike="noStrike">
+              <a:latin typeface="Arial"/>
+            </a:endParaRPr>
+          </a:p>
+          <a:p>
+            <a:pPr algn="ctr">
+              <a:lnSpc>
+                <a:spcPct val="100000"/>
+              </a:lnSpc>
+            </a:pPr>
             <a:r>
               <a:rPr b="1" lang="en-US" sz="1400" spc="-1" strike="noStrike">
                 <a:latin typeface="Arial"/>
@@ -2953,12 +3065,21 @@
             </a:endParaRPr>
           </a:p>
           <a:p>
-            <a:pPr algn="ctr"/>
-            <a:endParaRPr b="0" lang="en-US" sz="1400" spc="-1" strike="noStrike">
-              <a:latin typeface="Arial"/>
-            </a:endParaRPr>
-          </a:p>
-          <a:p>
+            <a:pPr algn="ctr">
+              <a:lnSpc>
+                <a:spcPct val="100000"/>
+              </a:lnSpc>
+            </a:pPr>
+            <a:endParaRPr b="0" lang="en-US" sz="1400" spc="-1" strike="noStrike">
+              <a:latin typeface="Arial"/>
+            </a:endParaRPr>
+          </a:p>
+          <a:p>
+            <a:pPr>
+              <a:lnSpc>
+                <a:spcPct val="100000"/>
+              </a:lnSpc>
+            </a:pPr>
             <a:r>
               <a:rPr b="1" lang="en-US" sz="1400" spc="-1" strike="noStrike">
                 <a:latin typeface="Arial"/>
@@ -2970,12 +3091,21 @@
             </a:endParaRPr>
           </a:p>
           <a:p>
-            <a:pPr algn="ctr"/>
-            <a:endParaRPr b="0" lang="en-US" sz="1400" spc="-1" strike="noStrike">
-              <a:latin typeface="Arial"/>
-            </a:endParaRPr>
-          </a:p>
-          <a:p>
+            <a:pPr algn="ctr">
+              <a:lnSpc>
+                <a:spcPct val="100000"/>
+              </a:lnSpc>
+            </a:pPr>
+            <a:endParaRPr b="0" lang="en-US" sz="1400" spc="-1" strike="noStrike">
+              <a:latin typeface="Arial"/>
+            </a:endParaRPr>
+          </a:p>
+          <a:p>
+            <a:pPr>
+              <a:lnSpc>
+                <a:spcPct val="100000"/>
+              </a:lnSpc>
+            </a:pPr>
             <a:r>
               <a:rPr b="0" lang="en-US" sz="1400" spc="-1" strike="noStrike">
                 <a:latin typeface="Arial"/>
@@ -3003,15 +3133,28 @@
             </a:endParaRPr>
           </a:p>
           <a:p>
+            <a:pPr>
+              <a:lnSpc>
+                <a:spcPct val="100000"/>
+              </a:lnSpc>
+            </a:pPr>
             <a:r>
               <a:rPr b="0" lang="en-US" sz="1800" spc="-1" strike="noStrike">
-                <a:latin typeface="Arial"/>
+                <a:solidFill>
+                  <a:srgbClr val="000000"/>
+                </a:solidFill>
+                <a:latin typeface="Arial"/>
+                <a:ea typeface="Times New Roman"/>
               </a:rPr>
               <a:t>      </a:t>
             </a:r>
             <a:r>
               <a:rPr b="0" lang="en-US" sz="1400" spc="-1" strike="noStrike">
-                <a:latin typeface="Arial"/>
+                <a:solidFill>
+                  <a:srgbClr val="000000"/>
+                </a:solidFill>
+                <a:latin typeface="Arial"/>
+                <a:ea typeface="Times New Roman"/>
               </a:rPr>
               <a:t>[2] </a:t>
             </a:r>
@@ -3030,20 +3173,38 @@
             </a:endParaRPr>
           </a:p>
           <a:p>
-            <a:endParaRPr b="0" lang="en-US" sz="1400" spc="-1" strike="noStrike">
-              <a:latin typeface="Arial"/>
-            </a:endParaRPr>
-          </a:p>
-          <a:p>
+            <a:pPr>
+              <a:lnSpc>
+                <a:spcPct val="100000"/>
+              </a:lnSpc>
+            </a:pPr>
+            <a:endParaRPr b="0" lang="en-US" sz="1400" spc="-1" strike="noStrike">
+              <a:latin typeface="Arial"/>
+            </a:endParaRPr>
+          </a:p>
+          <a:p>
+            <a:pPr>
+              <a:lnSpc>
+                <a:spcPct val="100000"/>
+              </a:lnSpc>
+            </a:pPr>
             <a:r>
               <a:rPr b="1" lang="en-US" sz="1400" spc="-1" strike="noStrike">
-                <a:latin typeface="Arial"/>
+                <a:solidFill>
+                  <a:srgbClr val="000000"/>
+                </a:solidFill>
+                <a:latin typeface="Arial"/>
+                <a:ea typeface="Times New Roman"/>
               </a:rPr>
               <a:t>Actual Result:</a:t>
             </a:r>
             <a:r>
               <a:rPr b="0" lang="en-US" sz="1400" spc="-1" strike="noStrike">
-                <a:latin typeface="Arial"/>
+                <a:solidFill>
+                  <a:srgbClr val="000000"/>
+                </a:solidFill>
+                <a:latin typeface="Arial"/>
+                <a:ea typeface="Times New Roman"/>
               </a:rPr>
               <a:t>  [x] Passing  [  ] Failing</a:t>
             </a:r>
@@ -3055,21 +3216,21 @@
       </p:sp>
       <p:grpSp>
         <p:nvGrpSpPr>
-          <p:cNvPr id="59" name="Group 3"/>
+          <p:cNvPr id="56" name="Group 3"/>
           <p:cNvGrpSpPr/>
           <p:nvPr/>
         </p:nvGrpSpPr>
         <p:grpSpPr>
           <a:xfrm>
             <a:off x="5029200" y="1371960"/>
-            <a:ext cx="4913640" cy="3200040"/>
+            <a:ext cx="4913280" cy="3199680"/>
             <a:chOff x="5029200" y="1371960"/>
-            <a:chExt cx="4913640" cy="3200040"/>
+            <a:chExt cx="4913280" cy="3199680"/>
           </a:xfrm>
         </p:grpSpPr>
         <p:pic>
           <p:nvPicPr>
-            <p:cNvPr id="60" name="" descr=""/>
+            <p:cNvPr id="57" name="" descr=""/>
             <p:cNvPicPr/>
             <p:nvPr/>
           </p:nvPicPr>
@@ -3081,7 +3242,7 @@
           <p:spPr>
             <a:xfrm>
               <a:off x="5029200" y="1371960"/>
-              <a:ext cx="4913640" cy="3200040"/>
+              <a:ext cx="4913280" cy="3199680"/>
             </a:xfrm>
             <a:prstGeom prst="rect">
               <a:avLst/>
@@ -3093,14 +3254,14 @@
         </p:pic>
         <p:sp>
           <p:nvSpPr>
-            <p:cNvPr id="61" name="CustomShape 4"/>
+            <p:cNvPr id="58" name="CustomShape 4"/>
             <p:cNvSpPr/>
             <p:nvPr/>
           </p:nvSpPr>
           <p:spPr>
             <a:xfrm>
               <a:off x="8686800" y="1828800"/>
-              <a:ext cx="932760" cy="2514600"/>
+              <a:ext cx="932400" cy="2514240"/>
             </a:xfrm>
             <a:prstGeom prst="rect">
               <a:avLst/>
@@ -3156,14 +3317,14 @@
       </p:grpSpPr>
       <p:sp>
         <p:nvSpPr>
-          <p:cNvPr id="62" name="TextShape 1"/>
-          <p:cNvSpPr txBox="1"/>
+          <p:cNvPr id="59" name="CustomShape 1"/>
+          <p:cNvSpPr/>
           <p:nvPr/>
         </p:nvSpPr>
         <p:spPr>
           <a:xfrm>
             <a:off x="504000" y="226080"/>
-            <a:ext cx="9071640" cy="946440"/>
+            <a:ext cx="9071280" cy="946080"/>
           </a:xfrm>
           <a:prstGeom prst="rect">
             <a:avLst/>
@@ -3173,12 +3334,22 @@
             <a:noFill/>
           </a:ln>
         </p:spPr>
+        <p:style>
+          <a:lnRef idx="0"/>
+          <a:fillRef idx="0"/>
+          <a:effectRef idx="0"/>
+          <a:fontRef idx="minor"/>
+        </p:style>
         <p:txBody>
           <a:bodyPr lIns="0" rIns="0" tIns="0" bIns="0" anchor="ctr">
             <a:noAutofit/>
           </a:bodyPr>
           <a:p>
-            <a:pPr algn="ctr"/>
+            <a:pPr algn="ctr">
+              <a:lnSpc>
+                <a:spcPct val="100000"/>
+              </a:lnSpc>
+            </a:pPr>
             <a:r>
               <a:rPr b="0" lang="en-US" sz="2200" spc="-1" strike="noStrike" u="sng">
                 <a:solidFill>
@@ -3230,14 +3401,14 @@
       </p:sp>
       <p:sp>
         <p:nvSpPr>
-          <p:cNvPr id="63" name="TextShape 2"/>
-          <p:cNvSpPr txBox="1"/>
+          <p:cNvPr id="60" name="CustomShape 2"/>
+          <p:cNvSpPr/>
           <p:nvPr/>
         </p:nvSpPr>
         <p:spPr>
           <a:xfrm>
             <a:off x="504000" y="1172520"/>
-            <a:ext cx="4296600" cy="4304520"/>
+            <a:ext cx="4296240" cy="4304160"/>
           </a:xfrm>
           <a:prstGeom prst="rect">
             <a:avLst/>
@@ -3247,12 +3418,22 @@
             <a:noFill/>
           </a:ln>
         </p:spPr>
+        <p:style>
+          <a:lnRef idx="0"/>
+          <a:fillRef idx="0"/>
+          <a:effectRef idx="0"/>
+          <a:fontRef idx="minor"/>
+        </p:style>
         <p:txBody>
           <a:bodyPr lIns="0" rIns="0" tIns="0" bIns="0" anchor="ctr">
             <a:noAutofit/>
           </a:bodyPr>
           <a:p>
-            <a:pPr algn="ctr"/>
+            <a:pPr algn="ctr">
+              <a:lnSpc>
+                <a:spcPct val="100000"/>
+              </a:lnSpc>
+            </a:pPr>
             <a:r>
               <a:rPr b="1" lang="en-US" sz="1400" spc="-1" strike="noStrike">
                 <a:latin typeface="Arial"/>
@@ -3270,13 +3451,21 @@
             </a:endParaRPr>
           </a:p>
           <a:p>
-            <a:pPr algn="ctr"/>
-            <a:endParaRPr b="0" lang="en-US" sz="1400" spc="-1" strike="noStrike">
-              <a:latin typeface="Arial"/>
-            </a:endParaRPr>
-          </a:p>
-          <a:p>
-            <a:pPr algn="ctr"/>
+            <a:pPr algn="ctr">
+              <a:lnSpc>
+                <a:spcPct val="100000"/>
+              </a:lnSpc>
+            </a:pPr>
+            <a:endParaRPr b="0" lang="en-US" sz="1400" spc="-1" strike="noStrike">
+              <a:latin typeface="Arial"/>
+            </a:endParaRPr>
+          </a:p>
+          <a:p>
+            <a:pPr algn="ctr">
+              <a:lnSpc>
+                <a:spcPct val="100000"/>
+              </a:lnSpc>
+            </a:pPr>
             <a:r>
               <a:rPr b="1" lang="en-US" sz="1400" spc="-1" strike="noStrike">
                 <a:latin typeface="Arial"/>
@@ -3294,12 +3483,21 @@
             </a:endParaRPr>
           </a:p>
           <a:p>
-            <a:pPr algn="ctr"/>
-            <a:endParaRPr b="0" lang="en-US" sz="1400" spc="-1" strike="noStrike">
-              <a:latin typeface="Arial"/>
-            </a:endParaRPr>
-          </a:p>
-          <a:p>
+            <a:pPr algn="ctr">
+              <a:lnSpc>
+                <a:spcPct val="100000"/>
+              </a:lnSpc>
+            </a:pPr>
+            <a:endParaRPr b="0" lang="en-US" sz="1400" spc="-1" strike="noStrike">
+              <a:latin typeface="Arial"/>
+            </a:endParaRPr>
+          </a:p>
+          <a:p>
+            <a:pPr>
+              <a:lnSpc>
+                <a:spcPct val="100000"/>
+              </a:lnSpc>
+            </a:pPr>
             <a:r>
               <a:rPr b="1" lang="en-US" sz="1400" spc="-1" strike="noStrike">
                 <a:latin typeface="Arial"/>
@@ -3311,12 +3509,21 @@
             </a:endParaRPr>
           </a:p>
           <a:p>
-            <a:pPr algn="ctr"/>
-            <a:endParaRPr b="0" lang="en-US" sz="1400" spc="-1" strike="noStrike">
-              <a:latin typeface="Arial"/>
-            </a:endParaRPr>
-          </a:p>
-          <a:p>
+            <a:pPr algn="ctr">
+              <a:lnSpc>
+                <a:spcPct val="100000"/>
+              </a:lnSpc>
+            </a:pPr>
+            <a:endParaRPr b="0" lang="en-US" sz="1400" spc="-1" strike="noStrike">
+              <a:latin typeface="Arial"/>
+            </a:endParaRPr>
+          </a:p>
+          <a:p>
+            <a:pPr>
+              <a:lnSpc>
+                <a:spcPct val="100000"/>
+              </a:lnSpc>
+            </a:pPr>
             <a:r>
               <a:rPr b="0" lang="en-US" sz="1400" spc="-1" strike="noStrike">
                 <a:latin typeface="Arial"/>
@@ -3334,6 +3541,11 @@
             </a:endParaRPr>
           </a:p>
           <a:p>
+            <a:pPr>
+              <a:lnSpc>
+                <a:spcPct val="100000"/>
+              </a:lnSpc>
+            </a:pPr>
             <a:r>
               <a:rPr b="0" lang="en-US" sz="1800" spc="-1" strike="noStrike">
                 <a:latin typeface="Arial"/>
@@ -3361,20 +3573,38 @@
             </a:endParaRPr>
           </a:p>
           <a:p>
-            <a:endParaRPr b="0" lang="en-US" sz="1400" spc="-1" strike="noStrike">
-              <a:latin typeface="Arial"/>
-            </a:endParaRPr>
-          </a:p>
-          <a:p>
+            <a:pPr>
+              <a:lnSpc>
+                <a:spcPct val="100000"/>
+              </a:lnSpc>
+            </a:pPr>
+            <a:endParaRPr b="0" lang="en-US" sz="1400" spc="-1" strike="noStrike">
+              <a:latin typeface="Arial"/>
+            </a:endParaRPr>
+          </a:p>
+          <a:p>
+            <a:pPr>
+              <a:lnSpc>
+                <a:spcPct val="100000"/>
+              </a:lnSpc>
+            </a:pPr>
             <a:r>
               <a:rPr b="1" lang="en-US" sz="1400" spc="-1" strike="noStrike">
-                <a:latin typeface="Arial"/>
+                <a:solidFill>
+                  <a:srgbClr val="000000"/>
+                </a:solidFill>
+                <a:latin typeface="Arial"/>
+                <a:ea typeface="Times New Roman"/>
               </a:rPr>
               <a:t>Actual Result:</a:t>
             </a:r>
             <a:r>
               <a:rPr b="0" lang="en-US" sz="1400" spc="-1" strike="noStrike">
-                <a:latin typeface="Arial"/>
+                <a:solidFill>
+                  <a:srgbClr val="000000"/>
+                </a:solidFill>
+                <a:latin typeface="Arial"/>
+                <a:ea typeface="Times New Roman"/>
               </a:rPr>
               <a:t>  [x] Passing  [  ] Failing</a:t>
             </a:r>
@@ -3386,7 +3616,7 @@
       </p:sp>
       <p:pic>
         <p:nvPicPr>
-          <p:cNvPr id="64" name="" descr=""/>
+          <p:cNvPr id="61" name="" descr=""/>
           <p:cNvPicPr/>
           <p:nvPr/>
         </p:nvPicPr>
@@ -3398,7 +3628,7 @@
         <p:spPr>
           <a:xfrm>
             <a:off x="5029560" y="1371600"/>
-            <a:ext cx="4800960" cy="3200400"/>
+            <a:ext cx="4800600" cy="3200040"/>
           </a:xfrm>
           <a:prstGeom prst="rect">
             <a:avLst/>
@@ -3410,14 +3640,14 @@
       </p:pic>
       <p:sp>
         <p:nvSpPr>
-          <p:cNvPr id="65" name="CustomShape 3"/>
+          <p:cNvPr id="62" name="CustomShape 3"/>
           <p:cNvSpPr/>
           <p:nvPr/>
         </p:nvSpPr>
         <p:spPr>
           <a:xfrm>
             <a:off x="8668440" y="2057400"/>
-            <a:ext cx="932760" cy="2514600"/>
+            <a:ext cx="932400" cy="2514240"/>
           </a:xfrm>
           <a:prstGeom prst="rect">
             <a:avLst/>
@@ -3472,21 +3702,21 @@
       </p:grpSpPr>
       <p:grpSp>
         <p:nvGrpSpPr>
-          <p:cNvPr id="66" name="Group 1"/>
+          <p:cNvPr id="63" name="Group 1"/>
           <p:cNvGrpSpPr/>
           <p:nvPr/>
         </p:nvGrpSpPr>
         <p:grpSpPr>
           <a:xfrm>
             <a:off x="5029200" y="1600560"/>
-            <a:ext cx="4913640" cy="3200040"/>
+            <a:ext cx="4913280" cy="3199680"/>
             <a:chOff x="5029200" y="1600560"/>
-            <a:chExt cx="4913640" cy="3200040"/>
+            <a:chExt cx="4913280" cy="3199680"/>
           </a:xfrm>
         </p:grpSpPr>
         <p:pic>
           <p:nvPicPr>
-            <p:cNvPr id="67" name="" descr=""/>
+            <p:cNvPr id="64" name="" descr=""/>
             <p:cNvPicPr/>
             <p:nvPr/>
           </p:nvPicPr>
@@ -3498,7 +3728,7 @@
           <p:spPr>
             <a:xfrm>
               <a:off x="5029200" y="1600560"/>
-              <a:ext cx="4913640" cy="3200040"/>
+              <a:ext cx="4913280" cy="3199680"/>
             </a:xfrm>
             <a:prstGeom prst="rect">
               <a:avLst/>
@@ -3510,14 +3740,14 @@
         </p:pic>
         <p:sp>
           <p:nvSpPr>
-            <p:cNvPr id="68" name="CustomShape 2"/>
+            <p:cNvPr id="65" name="CustomShape 2"/>
             <p:cNvSpPr/>
             <p:nvPr/>
           </p:nvSpPr>
           <p:spPr>
             <a:xfrm>
               <a:off x="8686800" y="2057400"/>
-              <a:ext cx="932760" cy="2514600"/>
+              <a:ext cx="932400" cy="2514240"/>
             </a:xfrm>
             <a:prstGeom prst="rect">
               <a:avLst/>
@@ -3543,14 +3773,14 @@
       </p:grpSp>
       <p:sp>
         <p:nvSpPr>
-          <p:cNvPr id="69" name="TextShape 3"/>
-          <p:cNvSpPr txBox="1"/>
+          <p:cNvPr id="66" name="CustomShape 3"/>
+          <p:cNvSpPr/>
           <p:nvPr/>
         </p:nvSpPr>
         <p:spPr>
           <a:xfrm>
             <a:off x="504000" y="226080"/>
-            <a:ext cx="9071640" cy="946440"/>
+            <a:ext cx="9071280" cy="946080"/>
           </a:xfrm>
           <a:prstGeom prst="rect">
             <a:avLst/>
@@ -3560,12 +3790,21 @@
             <a:noFill/>
           </a:ln>
         </p:spPr>
+        <p:style>
+          <a:lnRef idx="0"/>
+          <a:fillRef idx="0"/>
+          <a:effectRef idx="0"/>
+          <a:fontRef idx="minor"/>
+        </p:style>
         <p:txBody>
           <a:bodyPr lIns="0" rIns="0" tIns="0" bIns="0" anchor="ctr">
             <a:noAutofit/>
           </a:bodyPr>
           <a:p>
             <a:pPr algn="ctr">
+              <a:lnSpc>
+                <a:spcPct val="100000"/>
+              </a:lnSpc>
               <a:spcAft>
                 <a:spcPts val="1400"/>
               </a:spcAft>
@@ -3621,14 +3860,14 @@
       </p:sp>
       <p:sp>
         <p:nvSpPr>
-          <p:cNvPr id="70" name="TextShape 4"/>
-          <p:cNvSpPr txBox="1"/>
+          <p:cNvPr id="67" name="CustomShape 4"/>
+          <p:cNvSpPr/>
           <p:nvPr/>
         </p:nvSpPr>
         <p:spPr>
           <a:xfrm>
             <a:off x="504000" y="1172520"/>
-            <a:ext cx="4296600" cy="4304520"/>
+            <a:ext cx="4296240" cy="4304160"/>
           </a:xfrm>
           <a:prstGeom prst="rect">
             <a:avLst/>
@@ -3638,12 +3877,22 @@
             <a:noFill/>
           </a:ln>
         </p:spPr>
+        <p:style>
+          <a:lnRef idx="0"/>
+          <a:fillRef idx="0"/>
+          <a:effectRef idx="0"/>
+          <a:fontRef idx="minor"/>
+        </p:style>
         <p:txBody>
           <a:bodyPr lIns="0" rIns="0" tIns="0" bIns="0" anchor="ctr">
             <a:noAutofit/>
           </a:bodyPr>
           <a:p>
-            <a:pPr algn="ctr"/>
+            <a:pPr algn="ctr">
+              <a:lnSpc>
+                <a:spcPct val="100000"/>
+              </a:lnSpc>
+            </a:pPr>
             <a:r>
               <a:rPr b="1" lang="en-US" sz="1400" spc="-1" strike="noStrike">
                 <a:latin typeface="Arial"/>
@@ -3661,13 +3910,21 @@
             </a:endParaRPr>
           </a:p>
           <a:p>
-            <a:pPr algn="ctr"/>
-            <a:endParaRPr b="0" lang="en-US" sz="1400" spc="-1" strike="noStrike">
-              <a:latin typeface="Arial"/>
-            </a:endParaRPr>
-          </a:p>
-          <a:p>
-            <a:pPr algn="ctr"/>
+            <a:pPr algn="ctr">
+              <a:lnSpc>
+                <a:spcPct val="100000"/>
+              </a:lnSpc>
+            </a:pPr>
+            <a:endParaRPr b="0" lang="en-US" sz="1400" spc="-1" strike="noStrike">
+              <a:latin typeface="Arial"/>
+            </a:endParaRPr>
+          </a:p>
+          <a:p>
+            <a:pPr algn="ctr">
+              <a:lnSpc>
+                <a:spcPct val="100000"/>
+              </a:lnSpc>
+            </a:pPr>
             <a:r>
               <a:rPr b="1" lang="en-US" sz="1400" spc="-1" strike="noStrike">
                 <a:latin typeface="Arial"/>
@@ -3685,12 +3942,21 @@
             </a:endParaRPr>
           </a:p>
           <a:p>
-            <a:pPr algn="ctr"/>
-            <a:endParaRPr b="0" lang="en-US" sz="1400" spc="-1" strike="noStrike">
-              <a:latin typeface="Arial"/>
-            </a:endParaRPr>
-          </a:p>
-          <a:p>
+            <a:pPr algn="ctr">
+              <a:lnSpc>
+                <a:spcPct val="100000"/>
+              </a:lnSpc>
+            </a:pPr>
+            <a:endParaRPr b="0" lang="en-US" sz="1400" spc="-1" strike="noStrike">
+              <a:latin typeface="Arial"/>
+            </a:endParaRPr>
+          </a:p>
+          <a:p>
+            <a:pPr>
+              <a:lnSpc>
+                <a:spcPct val="100000"/>
+              </a:lnSpc>
+            </a:pPr>
             <a:r>
               <a:rPr b="1" lang="en-US" sz="1400" spc="-1" strike="noStrike">
                 <a:latin typeface="Arial"/>
@@ -3702,12 +3968,21 @@
             </a:endParaRPr>
           </a:p>
           <a:p>
-            <a:pPr algn="ctr"/>
-            <a:endParaRPr b="0" lang="en-US" sz="1400" spc="-1" strike="noStrike">
-              <a:latin typeface="Arial"/>
-            </a:endParaRPr>
-          </a:p>
-          <a:p>
+            <a:pPr algn="ctr">
+              <a:lnSpc>
+                <a:spcPct val="100000"/>
+              </a:lnSpc>
+            </a:pPr>
+            <a:endParaRPr b="0" lang="en-US" sz="1400" spc="-1" strike="noStrike">
+              <a:latin typeface="Arial"/>
+            </a:endParaRPr>
+          </a:p>
+          <a:p>
+            <a:pPr>
+              <a:lnSpc>
+                <a:spcPct val="100000"/>
+              </a:lnSpc>
+            </a:pPr>
             <a:r>
               <a:rPr b="0" lang="en-US" sz="1400" spc="-1" strike="noStrike">
                 <a:latin typeface="Arial"/>
@@ -3725,6 +4000,11 @@
             </a:endParaRPr>
           </a:p>
           <a:p>
+            <a:pPr>
+              <a:lnSpc>
+                <a:spcPct val="100000"/>
+              </a:lnSpc>
+            </a:pPr>
             <a:r>
               <a:rPr b="0" lang="en-US" sz="1800" spc="-1" strike="noStrike">
                 <a:latin typeface="Arial"/>
@@ -3742,11 +4022,21 @@
             </a:endParaRPr>
           </a:p>
           <a:p>
-            <a:endParaRPr b="0" lang="en-US" sz="1400" spc="-1" strike="noStrike">
-              <a:latin typeface="Arial"/>
-            </a:endParaRPr>
-          </a:p>
-          <a:p>
+            <a:pPr>
+              <a:lnSpc>
+                <a:spcPct val="100000"/>
+              </a:lnSpc>
+            </a:pPr>
+            <a:endParaRPr b="0" lang="en-US" sz="1400" spc="-1" strike="noStrike">
+              <a:latin typeface="Arial"/>
+            </a:endParaRPr>
+          </a:p>
+          <a:p>
+            <a:pPr>
+              <a:lnSpc>
+                <a:spcPct val="100000"/>
+              </a:lnSpc>
+            </a:pPr>
             <a:r>
               <a:rPr b="1" lang="en-US" sz="1400" spc="-1" strike="noStrike">
                 <a:latin typeface="Arial"/>
@@ -3797,21 +4087,21 @@
       </p:grpSpPr>
       <p:grpSp>
         <p:nvGrpSpPr>
-          <p:cNvPr id="71" name="Group 1"/>
+          <p:cNvPr id="68" name="Group 1"/>
           <p:cNvGrpSpPr/>
           <p:nvPr/>
         </p:nvGrpSpPr>
         <p:grpSpPr>
           <a:xfrm>
             <a:off x="5029200" y="1600560"/>
-            <a:ext cx="4913640" cy="3200040"/>
+            <a:ext cx="4913280" cy="3199680"/>
             <a:chOff x="5029200" y="1600560"/>
-            <a:chExt cx="4913640" cy="3200040"/>
+            <a:chExt cx="4913280" cy="3199680"/>
           </a:xfrm>
         </p:grpSpPr>
         <p:pic>
           <p:nvPicPr>
-            <p:cNvPr id="72" name="" descr=""/>
+            <p:cNvPr id="69" name="" descr=""/>
             <p:cNvPicPr/>
             <p:nvPr/>
           </p:nvPicPr>
@@ -3823,7 +4113,7 @@
           <p:spPr>
             <a:xfrm>
               <a:off x="5029200" y="1600560"/>
-              <a:ext cx="4913640" cy="3200040"/>
+              <a:ext cx="4913280" cy="3199680"/>
             </a:xfrm>
             <a:prstGeom prst="rect">
               <a:avLst/>
@@ -3835,14 +4125,14 @@
         </p:pic>
         <p:sp>
           <p:nvSpPr>
-            <p:cNvPr id="73" name="CustomShape 2"/>
+            <p:cNvPr id="70" name="CustomShape 2"/>
             <p:cNvSpPr/>
             <p:nvPr/>
           </p:nvSpPr>
           <p:spPr>
             <a:xfrm>
               <a:off x="8686800" y="2057400"/>
-              <a:ext cx="932760" cy="2514600"/>
+              <a:ext cx="932400" cy="2514240"/>
             </a:xfrm>
             <a:prstGeom prst="rect">
               <a:avLst/>
@@ -3868,14 +4158,14 @@
       </p:grpSp>
       <p:sp>
         <p:nvSpPr>
-          <p:cNvPr id="74" name="TextShape 3"/>
-          <p:cNvSpPr txBox="1"/>
+          <p:cNvPr id="71" name="CustomShape 3"/>
+          <p:cNvSpPr/>
           <p:nvPr/>
         </p:nvSpPr>
         <p:spPr>
           <a:xfrm>
             <a:off x="504000" y="226080"/>
-            <a:ext cx="9071640" cy="946440"/>
+            <a:ext cx="9071280" cy="946080"/>
           </a:xfrm>
           <a:prstGeom prst="rect">
             <a:avLst/>
@@ -3885,12 +4175,21 @@
             <a:noFill/>
           </a:ln>
         </p:spPr>
+        <p:style>
+          <a:lnRef idx="0"/>
+          <a:fillRef idx="0"/>
+          <a:effectRef idx="0"/>
+          <a:fontRef idx="minor"/>
+        </p:style>
         <p:txBody>
           <a:bodyPr lIns="0" rIns="0" tIns="0" bIns="0" anchor="ctr">
             <a:noAutofit/>
           </a:bodyPr>
           <a:p>
             <a:pPr algn="ctr">
+              <a:lnSpc>
+                <a:spcPct val="100000"/>
+              </a:lnSpc>
               <a:spcAft>
                 <a:spcPts val="1400"/>
               </a:spcAft>
@@ -3946,14 +4245,14 @@
       </p:sp>
       <p:sp>
         <p:nvSpPr>
-          <p:cNvPr id="75" name="TextShape 4"/>
-          <p:cNvSpPr txBox="1"/>
+          <p:cNvPr id="72" name="CustomShape 4"/>
+          <p:cNvSpPr/>
           <p:nvPr/>
         </p:nvSpPr>
         <p:spPr>
           <a:xfrm>
             <a:off x="504000" y="1172520"/>
-            <a:ext cx="4296600" cy="4304520"/>
+            <a:ext cx="4296240" cy="4304160"/>
           </a:xfrm>
           <a:prstGeom prst="rect">
             <a:avLst/>
@@ -3963,12 +4262,22 @@
             <a:noFill/>
           </a:ln>
         </p:spPr>
+        <p:style>
+          <a:lnRef idx="0"/>
+          <a:fillRef idx="0"/>
+          <a:effectRef idx="0"/>
+          <a:fontRef idx="minor"/>
+        </p:style>
         <p:txBody>
           <a:bodyPr lIns="0" rIns="0" tIns="0" bIns="0" anchor="ctr">
             <a:noAutofit/>
           </a:bodyPr>
           <a:p>
-            <a:pPr algn="ctr"/>
+            <a:pPr algn="ctr">
+              <a:lnSpc>
+                <a:spcPct val="100000"/>
+              </a:lnSpc>
+            </a:pPr>
             <a:r>
               <a:rPr b="1" lang="en-US" sz="1400" spc="-1" strike="noStrike">
                 <a:latin typeface="Arial"/>
@@ -3986,13 +4295,21 @@
             </a:endParaRPr>
           </a:p>
           <a:p>
-            <a:pPr algn="ctr"/>
-            <a:endParaRPr b="0" lang="en-US" sz="1400" spc="-1" strike="noStrike">
-              <a:latin typeface="Arial"/>
-            </a:endParaRPr>
-          </a:p>
-          <a:p>
-            <a:pPr algn="ctr"/>
+            <a:pPr algn="ctr">
+              <a:lnSpc>
+                <a:spcPct val="100000"/>
+              </a:lnSpc>
+            </a:pPr>
+            <a:endParaRPr b="0" lang="en-US" sz="1400" spc="-1" strike="noStrike">
+              <a:latin typeface="Arial"/>
+            </a:endParaRPr>
+          </a:p>
+          <a:p>
+            <a:pPr algn="ctr">
+              <a:lnSpc>
+                <a:spcPct val="100000"/>
+              </a:lnSpc>
+            </a:pPr>
             <a:r>
               <a:rPr b="1" lang="en-US" sz="1400" spc="-1" strike="noStrike">
                 <a:latin typeface="Arial"/>
@@ -4010,12 +4327,21 @@
             </a:endParaRPr>
           </a:p>
           <a:p>
-            <a:pPr algn="ctr"/>
-            <a:endParaRPr b="0" lang="en-US" sz="1400" spc="-1" strike="noStrike">
-              <a:latin typeface="Arial"/>
-            </a:endParaRPr>
-          </a:p>
-          <a:p>
+            <a:pPr algn="ctr">
+              <a:lnSpc>
+                <a:spcPct val="100000"/>
+              </a:lnSpc>
+            </a:pPr>
+            <a:endParaRPr b="0" lang="en-US" sz="1400" spc="-1" strike="noStrike">
+              <a:latin typeface="Arial"/>
+            </a:endParaRPr>
+          </a:p>
+          <a:p>
+            <a:pPr>
+              <a:lnSpc>
+                <a:spcPct val="100000"/>
+              </a:lnSpc>
+            </a:pPr>
             <a:r>
               <a:rPr b="1" lang="en-US" sz="1400" spc="-1" strike="noStrike">
                 <a:latin typeface="Arial"/>
@@ -4027,12 +4353,21 @@
             </a:endParaRPr>
           </a:p>
           <a:p>
-            <a:pPr algn="ctr"/>
-            <a:endParaRPr b="0" lang="en-US" sz="1400" spc="-1" strike="noStrike">
-              <a:latin typeface="Arial"/>
-            </a:endParaRPr>
-          </a:p>
-          <a:p>
+            <a:pPr algn="ctr">
+              <a:lnSpc>
+                <a:spcPct val="100000"/>
+              </a:lnSpc>
+            </a:pPr>
+            <a:endParaRPr b="0" lang="en-US" sz="1400" spc="-1" strike="noStrike">
+              <a:latin typeface="Arial"/>
+            </a:endParaRPr>
+          </a:p>
+          <a:p>
+            <a:pPr>
+              <a:lnSpc>
+                <a:spcPct val="100000"/>
+              </a:lnSpc>
+            </a:pPr>
             <a:r>
               <a:rPr b="0" lang="en-US" sz="1400" spc="-1" strike="noStrike">
                 <a:latin typeface="Arial"/>
@@ -4050,6 +4385,11 @@
             </a:endParaRPr>
           </a:p>
           <a:p>
+            <a:pPr>
+              <a:lnSpc>
+                <a:spcPct val="100000"/>
+              </a:lnSpc>
+            </a:pPr>
             <a:r>
               <a:rPr b="0" lang="en-US" sz="1800" spc="-1" strike="noStrike">
                 <a:latin typeface="Arial"/>
@@ -4067,11 +4407,21 @@
             </a:endParaRPr>
           </a:p>
           <a:p>
-            <a:endParaRPr b="0" lang="en-US" sz="1400" spc="-1" strike="noStrike">
-              <a:latin typeface="Arial"/>
-            </a:endParaRPr>
-          </a:p>
-          <a:p>
+            <a:pPr>
+              <a:lnSpc>
+                <a:spcPct val="100000"/>
+              </a:lnSpc>
+            </a:pPr>
+            <a:endParaRPr b="0" lang="en-US" sz="1400" spc="-1" strike="noStrike">
+              <a:latin typeface="Arial"/>
+            </a:endParaRPr>
+          </a:p>
+          <a:p>
+            <a:pPr>
+              <a:lnSpc>
+                <a:spcPct val="100000"/>
+              </a:lnSpc>
+            </a:pPr>
             <a:r>
               <a:rPr b="1" lang="en-US" sz="1400" spc="-1" strike="noStrike">
                 <a:latin typeface="Arial"/>
@@ -4090,284 +4440,6 @@
           </a:p>
         </p:txBody>
       </p:sp>
-    </p:spTree>
-  </p:cSld>
-  <mc:AlternateContent>
-    <mc:Choice Requires="p14">
-      <p:transition spd="slow" p14:dur="2000"/>
-    </mc:Choice>
-    <mc:Fallback>
-      <p:transition spd="slow"/>
-    </mc:Fallback>
-  </mc:AlternateContent>
-</p:sld>
-</file>
-
-<file path=ppt/slides/slide8.xml><?xml version="1.0" encoding="utf-8"?>
-<p:sld xmlns:a="http://schemas.openxmlformats.org/drawingml/2006/main" xmlns:p="http://schemas.openxmlformats.org/presentationml/2006/main" xmlns:r="http://schemas.openxmlformats.org/officeDocument/2006/relationships" xmlns:p14="http://schemas.microsoft.com/office/powerpoint/2010/main" xmlns:p15="http://schemas.microsoft.com/office/powerpoint/2012/main" xmlns:mc="http://schemas.openxmlformats.org/markup-compatibility/2006">
-  <p:cSld>
-    <p:spTree>
-      <p:nvGrpSpPr>
-        <p:cNvPr id="1" name=""/>
-        <p:cNvGrpSpPr/>
-        <p:nvPr/>
-      </p:nvGrpSpPr>
-      <p:grpSpPr>
-        <a:xfrm>
-          <a:off x="0" y="0"/>
-          <a:ext cx="0" cy="0"/>
-          <a:chOff x="0" y="0"/>
-          <a:chExt cx="0" cy="0"/>
-        </a:xfrm>
-      </p:grpSpPr>
-      <p:sp>
-        <p:nvSpPr>
-          <p:cNvPr id="76" name="TextShape 1"/>
-          <p:cNvSpPr txBox="1"/>
-          <p:nvPr/>
-        </p:nvSpPr>
-        <p:spPr>
-          <a:xfrm>
-            <a:off x="504000" y="226080"/>
-            <a:ext cx="9071640" cy="946440"/>
-          </a:xfrm>
-          <a:prstGeom prst="rect">
-            <a:avLst/>
-          </a:prstGeom>
-          <a:noFill/>
-          <a:ln w="0">
-            <a:noFill/>
-          </a:ln>
-        </p:spPr>
-        <p:txBody>
-          <a:bodyPr lIns="0" rIns="0" tIns="0" bIns="0" anchor="ctr">
-            <a:noAutofit/>
-          </a:bodyPr>
-          <a:p>
-            <a:pPr algn="ctr">
-              <a:spcAft>
-                <a:spcPts val="1400"/>
-              </a:spcAft>
-            </a:pPr>
-            <a:r>
-              <a:rPr b="0" lang="en-US" sz="2200" spc="-1" strike="noStrike" u="sng">
-                <a:solidFill>
-                  <a:srgbClr val="000000"/>
-                </a:solidFill>
-                <a:uFillTx/>
-                <a:latin typeface="Times New Roman"/>
-                <a:ea typeface="Times New Roman"/>
-              </a:rPr>
-              <a:t>Test Case ID</a:t>
-            </a:r>
-            <a:r>
-              <a:rPr b="0" lang="en-US" sz="2200" spc="-1" strike="noStrike">
-                <a:solidFill>
-                  <a:srgbClr val="000000"/>
-                </a:solidFill>
-                <a:latin typeface="Times New Roman"/>
-                <a:ea typeface="Times New Roman"/>
-              </a:rPr>
-              <a:t>:  8</a:t>
-            </a:r>
-            <a:br/>
-            <a:r>
-              <a:rPr b="0" lang="en-US" sz="2200" spc="-1" strike="noStrike" u="sng">
-                <a:solidFill>
-                  <a:srgbClr val="000000"/>
-                </a:solidFill>
-                <a:uFillTx/>
-                <a:latin typeface="Times New Roman"/>
-                <a:ea typeface="Times New Roman"/>
-              </a:rPr>
-              <a:t>Test Case Title</a:t>
-            </a:r>
-            <a:r>
-              <a:rPr b="0" lang="en-US" sz="2200" spc="-1" strike="noStrike">
-                <a:solidFill>
-                  <a:srgbClr val="000000"/>
-                </a:solidFill>
-                <a:latin typeface="Times New Roman"/>
-                <a:ea typeface="Times New Roman"/>
-              </a:rPr>
-              <a:t>: Exceptions caught</a:t>
-            </a:r>
-            <a:endParaRPr b="0" lang="en-US" sz="2200" spc="-1" strike="noStrike">
-              <a:latin typeface="Arial"/>
-            </a:endParaRPr>
-          </a:p>
-        </p:txBody>
-      </p:sp>
-      <p:sp>
-        <p:nvSpPr>
-          <p:cNvPr id="77" name="TextShape 2"/>
-          <p:cNvSpPr txBox="1"/>
-          <p:nvPr/>
-        </p:nvSpPr>
-        <p:spPr>
-          <a:xfrm>
-            <a:off x="504000" y="1172520"/>
-            <a:ext cx="4296600" cy="4304520"/>
-          </a:xfrm>
-          <a:prstGeom prst="rect">
-            <a:avLst/>
-          </a:prstGeom>
-          <a:noFill/>
-          <a:ln w="0">
-            <a:noFill/>
-          </a:ln>
-        </p:spPr>
-        <p:txBody>
-          <a:bodyPr lIns="0" rIns="0" tIns="0" bIns="0" anchor="ctr">
-            <a:noAutofit/>
-          </a:bodyPr>
-          <a:p>
-            <a:pPr algn="ctr"/>
-            <a:r>
-              <a:rPr b="1" lang="en-US" sz="1400" spc="-1" strike="noStrike">
-                <a:latin typeface="Arial"/>
-              </a:rPr>
-              <a:t>Test Case Description</a:t>
-            </a:r>
-            <a:r>
-              <a:rPr b="0" lang="en-US" sz="1400" spc="-1" strike="noStrike">
-                <a:latin typeface="Arial"/>
-              </a:rPr>
-              <a:t>: non string or number is handled by exception, exception is displayed for the user.</a:t>
-            </a:r>
-            <a:endParaRPr b="0" lang="en-US" sz="1400" spc="-1" strike="noStrike">
-              <a:latin typeface="Arial"/>
-            </a:endParaRPr>
-          </a:p>
-          <a:p>
-            <a:pPr algn="ctr"/>
-            <a:endParaRPr b="0" lang="en-US" sz="1400" spc="-1" strike="noStrike">
-              <a:latin typeface="Arial"/>
-            </a:endParaRPr>
-          </a:p>
-          <a:p>
-            <a:pPr algn="ctr"/>
-            <a:r>
-              <a:rPr b="1" lang="en-US" sz="1400" spc="-1" strike="noStrike">
-                <a:latin typeface="Arial"/>
-              </a:rPr>
-              <a:t>Test Case Data:</a:t>
-            </a:r>
-            <a:r>
-              <a:rPr b="0" lang="en-US" sz="1400" spc="-1" strike="noStrike">
-                <a:latin typeface="Arial"/>
-              </a:rPr>
-              <a:t> ms_test_data” table is the test table for this case, it contains the data to be uploaded..</a:t>
-            </a:r>
-            <a:endParaRPr b="0" lang="en-US" sz="1400" spc="-1" strike="noStrike">
-              <a:latin typeface="Arial"/>
-            </a:endParaRPr>
-          </a:p>
-          <a:p>
-            <a:pPr algn="ctr"/>
-            <a:endParaRPr b="0" lang="en-US" sz="1400" spc="-1" strike="noStrike">
-              <a:latin typeface="Arial"/>
-            </a:endParaRPr>
-          </a:p>
-          <a:p>
-            <a:r>
-              <a:rPr b="1" lang="en-US" sz="1400" spc="-1" strike="noStrike">
-                <a:latin typeface="Arial"/>
-              </a:rPr>
-              <a:t>Expected Result:</a:t>
-            </a:r>
-            <a:endParaRPr b="0" lang="en-US" sz="1400" spc="-1" strike="noStrike">
-              <a:latin typeface="Arial"/>
-            </a:endParaRPr>
-          </a:p>
-          <a:p>
-            <a:pPr algn="ctr"/>
-            <a:endParaRPr b="0" lang="en-US" sz="1400" spc="-1" strike="noStrike">
-              <a:latin typeface="Arial"/>
-            </a:endParaRPr>
-          </a:p>
-          <a:p>
-            <a:r>
-              <a:rPr b="0" lang="en-US" sz="1400" spc="-1" strike="noStrike">
-                <a:latin typeface="Arial"/>
-              </a:rPr>
-              <a:t>        </a:t>
-            </a:r>
-            <a:r>
-              <a:rPr b="0" lang="en-US" sz="1400" spc="-1" strike="noStrike">
-                <a:latin typeface="Arial"/>
-              </a:rPr>
-              <a:t>[1] After initial read the omdb would error and throw the appropriate exception.</a:t>
-            </a:r>
-            <a:endParaRPr b="0" lang="en-US" sz="1400" spc="-1" strike="noStrike">
-              <a:latin typeface="Arial"/>
-            </a:endParaRPr>
-          </a:p>
-          <a:p>
-            <a:r>
-              <a:rPr b="0" lang="en-US" sz="1800" spc="-1" strike="noStrike">
-                <a:latin typeface="Arial"/>
-              </a:rPr>
-              <a:t>      </a:t>
-            </a:r>
-            <a:r>
-              <a:rPr b="0" lang="en-US" sz="1400" spc="-1" strike="noStrike">
-                <a:latin typeface="Arial"/>
-              </a:rPr>
-              <a:t>[2] you are asked to “Please fix information with appropriate data before running.”</a:t>
-            </a:r>
-            <a:endParaRPr b="0" lang="en-US" sz="1400" spc="-1" strike="noStrike">
-              <a:latin typeface="Arial"/>
-            </a:endParaRPr>
-          </a:p>
-          <a:p>
-            <a:endParaRPr b="0" lang="en-US" sz="1400" spc="-1" strike="noStrike">
-              <a:latin typeface="Arial"/>
-            </a:endParaRPr>
-          </a:p>
-          <a:p>
-            <a:r>
-              <a:rPr b="1" lang="en-US" sz="1400" spc="-1" strike="noStrike">
-                <a:latin typeface="Arial"/>
-              </a:rPr>
-              <a:t>Actual Result:</a:t>
-            </a:r>
-            <a:r>
-              <a:rPr b="0" lang="en-US" sz="1400" spc="-1" strike="noStrike">
-                <a:latin typeface="Arial"/>
-              </a:rPr>
-              <a:t>  [x] Passing  [  ] Failing</a:t>
-            </a:r>
-            <a:endParaRPr b="0" lang="en-US" sz="1400" spc="-1" strike="noStrike">
-              <a:latin typeface="Arial"/>
-            </a:endParaRPr>
-          </a:p>
-        </p:txBody>
-      </p:sp>
-      <p:pic>
-        <p:nvPicPr>
-          <p:cNvPr id="78" name="" descr=""/>
-          <p:cNvPicPr/>
-          <p:nvPr/>
-        </p:nvPicPr>
-        <p:blipFill>
-          <a:blip r:embed="rId1"/>
-          <a:srcRect l="14597" t="27418" r="28466" b="16127"/>
-          <a:stretch/>
-        </p:blipFill>
-        <p:spPr>
-          <a:xfrm>
-            <a:off x="4800960" y="1600200"/>
-            <a:ext cx="4408920" cy="3429000"/>
-          </a:xfrm>
-          <a:prstGeom prst="rect">
-            <a:avLst/>
-          </a:prstGeom>
-          <a:ln w="0">
-            <a:noFill/>
-          </a:ln>
-        </p:spPr>
-      </p:pic>
     </p:spTree>
   </p:cSld>
   <mc:AlternateContent>
